--- a/宣道詩/(宣道詩212)親愛耶穌.pptx
+++ b/宣道詩/(宣道詩212)親愛耶穌.pptx
@@ -5,10 +5,15 @@
     <p:sldMasterId id="2147483672" r:id="rId1"/>
   </p:sldMasterIdLst>
   <p:sldIdLst>
-    <p:sldId id="256" r:id="rId2"/>
-    <p:sldId id="257" r:id="rId3"/>
-    <p:sldId id="258" r:id="rId4"/>
-    <p:sldId id="259" r:id="rId5"/>
+    <p:sldId id="260" r:id="rId2"/>
+    <p:sldId id="261" r:id="rId3"/>
+    <p:sldId id="262" r:id="rId4"/>
+    <p:sldId id="263" r:id="rId5"/>
+    <p:sldId id="264" r:id="rId6"/>
+    <p:sldId id="265" r:id="rId7"/>
+    <p:sldId id="266" r:id="rId8"/>
+    <p:sldId id="267" r:id="rId9"/>
+    <p:sldId id="268" r:id="rId10"/>
   </p:sldIdLst>
   <p:sldSz cx="12192000" cy="6858000"/>
   <p:notesSz cx="6858000" cy="9144000"/>
@@ -308,7 +313,7 @@
             <a:fld id="{7CE15595-A96D-4CC1-8386-BF68892F9851}" type="datetimeFigureOut">
               <a:rPr lang="zh-TW" altLang="en-US" smtClean="0"/>
               <a:pPr/>
-              <a:t>2020/5/16</a:t>
+              <a:t>2021/3/6</a:t>
             </a:fld>
             <a:endParaRPr lang="zh-TW" altLang="en-US"/>
           </a:p>
@@ -475,7 +480,7 @@
             <a:fld id="{7CE15595-A96D-4CC1-8386-BF68892F9851}" type="datetimeFigureOut">
               <a:rPr lang="zh-TW" altLang="en-US" smtClean="0"/>
               <a:pPr/>
-              <a:t>2020/5/16</a:t>
+              <a:t>2021/3/6</a:t>
             </a:fld>
             <a:endParaRPr lang="zh-TW" altLang="en-US"/>
           </a:p>
@@ -652,7 +657,7 @@
             <a:fld id="{7CE15595-A96D-4CC1-8386-BF68892F9851}" type="datetimeFigureOut">
               <a:rPr lang="zh-TW" altLang="en-US" smtClean="0"/>
               <a:pPr/>
-              <a:t>2020/5/16</a:t>
+              <a:t>2021/3/6</a:t>
             </a:fld>
             <a:endParaRPr lang="zh-TW" altLang="en-US"/>
           </a:p>
@@ -819,7 +824,7 @@
             <a:fld id="{7CE15595-A96D-4CC1-8386-BF68892F9851}" type="datetimeFigureOut">
               <a:rPr lang="zh-TW" altLang="en-US" smtClean="0"/>
               <a:pPr/>
-              <a:t>2020/5/16</a:t>
+              <a:t>2021/3/6</a:t>
             </a:fld>
             <a:endParaRPr lang="zh-TW" altLang="en-US"/>
           </a:p>
@@ -1062,7 +1067,7 @@
             <a:fld id="{7CE15595-A96D-4CC1-8386-BF68892F9851}" type="datetimeFigureOut">
               <a:rPr lang="zh-TW" altLang="en-US" smtClean="0"/>
               <a:pPr/>
-              <a:t>2020/5/16</a:t>
+              <a:t>2021/3/6</a:t>
             </a:fld>
             <a:endParaRPr lang="zh-TW" altLang="en-US"/>
           </a:p>
@@ -1347,7 +1352,7 @@
             <a:fld id="{7CE15595-A96D-4CC1-8386-BF68892F9851}" type="datetimeFigureOut">
               <a:rPr lang="zh-TW" altLang="en-US" smtClean="0"/>
               <a:pPr/>
-              <a:t>2020/5/16</a:t>
+              <a:t>2021/3/6</a:t>
             </a:fld>
             <a:endParaRPr lang="zh-TW" altLang="en-US"/>
           </a:p>
@@ -1766,7 +1771,7 @@
             <a:fld id="{7CE15595-A96D-4CC1-8386-BF68892F9851}" type="datetimeFigureOut">
               <a:rPr lang="zh-TW" altLang="en-US" smtClean="0"/>
               <a:pPr/>
-              <a:t>2020/5/16</a:t>
+              <a:t>2021/3/6</a:t>
             </a:fld>
             <a:endParaRPr lang="zh-TW" altLang="en-US"/>
           </a:p>
@@ -1881,7 +1886,7 @@
             <a:fld id="{7CE15595-A96D-4CC1-8386-BF68892F9851}" type="datetimeFigureOut">
               <a:rPr lang="zh-TW" altLang="en-US" smtClean="0"/>
               <a:pPr/>
-              <a:t>2020/5/16</a:t>
+              <a:t>2021/3/6</a:t>
             </a:fld>
             <a:endParaRPr lang="zh-TW" altLang="en-US"/>
           </a:p>
@@ -1973,7 +1978,7 @@
             <a:fld id="{7CE15595-A96D-4CC1-8386-BF68892F9851}" type="datetimeFigureOut">
               <a:rPr lang="zh-TW" altLang="en-US" smtClean="0"/>
               <a:pPr/>
-              <a:t>2020/5/16</a:t>
+              <a:t>2021/3/6</a:t>
             </a:fld>
             <a:endParaRPr lang="zh-TW" altLang="en-US"/>
           </a:p>
@@ -2247,7 +2252,7 @@
             <a:fld id="{7CE15595-A96D-4CC1-8386-BF68892F9851}" type="datetimeFigureOut">
               <a:rPr lang="zh-TW" altLang="en-US" smtClean="0"/>
               <a:pPr/>
-              <a:t>2020/5/16</a:t>
+              <a:t>2021/3/6</a:t>
             </a:fld>
             <a:endParaRPr lang="zh-TW" altLang="en-US"/>
           </a:p>
@@ -2501,7 +2506,7 @@
             <a:fld id="{7CE15595-A96D-4CC1-8386-BF68892F9851}" type="datetimeFigureOut">
               <a:rPr lang="zh-TW" altLang="en-US" smtClean="0"/>
               <a:pPr/>
-              <a:t>2020/5/16</a:t>
+              <a:t>2021/3/6</a:t>
             </a:fld>
             <a:endParaRPr lang="zh-TW" altLang="en-US"/>
           </a:p>
@@ -2716,7 +2721,7 @@
             <a:fld id="{7CE15595-A96D-4CC1-8386-BF68892F9851}" type="datetimeFigureOut">
               <a:rPr lang="zh-TW" altLang="en-US" smtClean="0"/>
               <a:pPr/>
-              <a:t>2020/5/16</a:t>
+              <a:t>2021/3/6</a:t>
             </a:fld>
             <a:endParaRPr lang="zh-TW" altLang="en-US"/>
           </a:p>
@@ -3097,274 +3102,139 @@
             <p:ph type="title"/>
           </p:nvPr>
         </p:nvSpPr>
-        <p:spPr/>
+        <p:spPr>
+          <a:xfrm>
+            <a:off x="0" y="2660915"/>
+            <a:ext cx="12192000" cy="1143000"/>
+          </a:xfrm>
+        </p:spPr>
         <p:txBody>
           <a:bodyPr>
-            <a:normAutofit/>
+            <a:noAutofit/>
           </a:bodyPr>
           <a:lstStyle/>
           <a:p>
             <a:r>
-              <a:rPr lang="zh-TW" altLang="en-US" sz="4800" b="1" dirty="0">
+              <a:rPr lang="zh-CN" altLang="en-US" sz="5333" b="1" u="sng" dirty="0">
                 <a:solidFill>
                   <a:srgbClr val="660033"/>
                 </a:solidFill>
+                <a:effectLst>
+                  <a:outerShdw blurRad="38100" dist="38100" dir="2700000" algn="tl">
+                    <a:srgbClr val="000000">
+                      <a:alpha val="43137"/>
+                    </a:srgbClr>
+                  </a:outerShdw>
+                </a:effectLst>
                 <a:latin typeface="微軟正黑體" pitchFamily="34" charset="-120"/>
                 <a:ea typeface="微軟正黑體" pitchFamily="34" charset="-120"/>
               </a:rPr>
-              <a:t>親愛耶穌</a:t>
-            </a:r>
-          </a:p>
-        </p:txBody>
-      </p:sp>
-      <p:sp>
-        <p:nvSpPr>
-          <p:cNvPr id="5" name="內容版面配置區 4"/>
-          <p:cNvSpPr>
-            <a:spLocks noGrp="1"/>
-          </p:cNvSpPr>
-          <p:nvPr>
-            <p:ph idx="1"/>
-          </p:nvPr>
-        </p:nvSpPr>
-        <p:spPr/>
-        <p:txBody>
-          <a:bodyPr>
-            <a:normAutofit/>
-          </a:bodyPr>
-          <a:lstStyle/>
-          <a:p>
-            <a:pPr lvl="0" algn="ctr">
-              <a:buNone/>
-            </a:pPr>
-            <a:r>
-              <a:rPr lang="zh-TW" altLang="en-US" sz="5400" b="1" dirty="0">
+              <a:t>宣道詩 </a:t>
+            </a:r>
+            <a:r>
+              <a:rPr lang="en-US" altLang="zh-CN" sz="5333" b="1" u="sng" dirty="0">
                 <a:solidFill>
                   <a:srgbClr val="660033"/>
                 </a:solidFill>
+                <a:effectLst>
+                  <a:outerShdw blurRad="38100" dist="38100" dir="2700000" algn="tl">
+                    <a:srgbClr val="000000">
+                      <a:alpha val="43137"/>
+                    </a:srgbClr>
+                  </a:outerShdw>
+                </a:effectLst>
                 <a:latin typeface="微軟正黑體" pitchFamily="34" charset="-120"/>
                 <a:ea typeface="微軟正黑體" pitchFamily="34" charset="-120"/>
               </a:rPr>
-              <a:t>主耶穌我</a:t>
-            </a:r>
-            <a:r>
-              <a:rPr lang="zh-TW" altLang="en-US" sz="5400" b="1" dirty="0" smtClean="0">
+              <a:t>212</a:t>
+            </a:r>
+            <a:r>
+              <a:rPr lang="en-US" altLang="zh-CN" sz="7200" b="1" i="1" dirty="0">
                 <a:solidFill>
                   <a:srgbClr val="660033"/>
                 </a:solidFill>
+                <a:effectLst>
+                  <a:outerShdw blurRad="38100" dist="38100" dir="2700000" algn="tl">
+                    <a:srgbClr val="000000">
+                      <a:alpha val="43137"/>
+                    </a:srgbClr>
+                  </a:outerShdw>
+                </a:effectLst>
                 <a:latin typeface="微軟正黑體" pitchFamily="34" charset="-120"/>
                 <a:ea typeface="微軟正黑體" pitchFamily="34" charset="-120"/>
               </a:rPr>
-              <a:t>愛</a:t>
-            </a:r>
-            <a:r>
-              <a:rPr lang="zh-CN" altLang="en-US" sz="5400" b="1" dirty="0" smtClean="0">
+              <a:t/>
+            </a:r>
+            <a:br>
+              <a:rPr lang="en-US" altLang="zh-CN" sz="7200" b="1" i="1" dirty="0">
                 <a:solidFill>
                   <a:srgbClr val="660033"/>
                 </a:solidFill>
+                <a:effectLst>
+                  <a:outerShdw blurRad="38100" dist="38100" dir="2700000" algn="tl">
+                    <a:srgbClr val="000000">
+                      <a:alpha val="43137"/>
+                    </a:srgbClr>
+                  </a:outerShdw>
+                </a:effectLst>
                 <a:latin typeface="微軟正黑體" pitchFamily="34" charset="-120"/>
                 <a:ea typeface="微軟正黑體" pitchFamily="34" charset="-120"/>
               </a:rPr>
-              <a:t>袮</a:t>
-            </a:r>
-            <a:r>
-              <a:rPr lang="zh-TW" altLang="en-US" sz="5400" b="1" dirty="0" smtClean="0">
-                <a:solidFill>
-                  <a:srgbClr val="660033"/>
-                </a:solidFill>
+            </a:br>
+            <a:r>
+              <a:rPr lang="zh-TW" altLang="en-US" sz="8000" b="1" dirty="0">
+                <a:solidFill>
+                  <a:srgbClr val="000066"/>
+                </a:solidFill>
+                <a:effectLst>
+                  <a:outerShdw blurRad="38100" dist="38100" dir="2700000" algn="tl">
+                    <a:srgbClr val="000000">
+                      <a:alpha val="43137"/>
+                    </a:srgbClr>
+                  </a:outerShdw>
+                </a:effectLst>
                 <a:latin typeface="微軟正黑體" pitchFamily="34" charset="-120"/>
                 <a:ea typeface="微軟正黑體" pitchFamily="34" charset="-120"/>
               </a:rPr>
-              <a:t> </a:t>
-            </a:r>
-            <a:r>
-              <a:rPr lang="zh-TW" altLang="en-US" sz="5400" b="1" dirty="0">
-                <a:solidFill>
-                  <a:srgbClr val="660033"/>
-                </a:solidFill>
+              <a:t>親</a:t>
+            </a:r>
+            <a:r>
+              <a:rPr lang="zh-TW" altLang="en-US" sz="8000" b="1" dirty="0">
+                <a:solidFill>
+                  <a:srgbClr val="000066"/>
+                </a:solidFill>
+                <a:effectLst>
+                  <a:outerShdw blurRad="38100" dist="38100" dir="2700000" algn="tl">
+                    <a:srgbClr val="000000">
+                      <a:alpha val="43137"/>
+                    </a:srgbClr>
+                  </a:outerShdw>
+                </a:effectLst>
                 <a:latin typeface="微軟正黑體" pitchFamily="34" charset="-120"/>
                 <a:ea typeface="微軟正黑體" pitchFamily="34" charset="-120"/>
               </a:rPr>
-              <a:t>深知我</a:t>
-            </a:r>
-            <a:r>
-              <a:rPr lang="zh-TW" altLang="en-US" sz="5400" b="1" dirty="0" smtClean="0">
-                <a:solidFill>
-                  <a:srgbClr val="660033"/>
-                </a:solidFill>
-                <a:latin typeface="微軟正黑體" pitchFamily="34" charset="-120"/>
-                <a:ea typeface="微軟正黑體" pitchFamily="34" charset="-120"/>
-              </a:rPr>
-              <a:t>屬</a:t>
-            </a:r>
-            <a:r>
-              <a:rPr lang="zh-CN" altLang="en-US" sz="5400" b="1" dirty="0">
-                <a:solidFill>
-                  <a:srgbClr val="660033"/>
-                </a:solidFill>
-                <a:latin typeface="微軟正黑體" pitchFamily="34" charset="-120"/>
-                <a:ea typeface="微軟正黑體" pitchFamily="34" charset="-120"/>
-              </a:rPr>
-              <a:t>袮</a:t>
-            </a:r>
-            <a:endParaRPr lang="zh-TW" altLang="en-US" sz="5400" b="1" dirty="0">
-              <a:solidFill>
-                <a:srgbClr val="660033"/>
-              </a:solidFill>
-              <a:latin typeface="微軟正黑體" pitchFamily="34" charset="-120"/>
-              <a:ea typeface="微軟正黑體" pitchFamily="34" charset="-120"/>
-            </a:endParaRPr>
-          </a:p>
-          <a:p>
-            <a:pPr algn="ctr">
-              <a:buNone/>
-            </a:pPr>
-            <a:r>
-              <a:rPr lang="zh-TW" altLang="en-US" sz="5400" b="1" dirty="0">
-                <a:solidFill>
-                  <a:srgbClr val="660033"/>
-                </a:solidFill>
-                <a:latin typeface="微軟正黑體" pitchFamily="34" charset="-120"/>
-                <a:ea typeface="微軟正黑體" pitchFamily="34" charset="-120"/>
-              </a:rPr>
-              <a:t>世上諸樂趣願</a:t>
-            </a:r>
-            <a:r>
-              <a:rPr lang="zh-TW" altLang="en-US" sz="5400" b="1" dirty="0" smtClean="0">
-                <a:solidFill>
-                  <a:srgbClr val="660033"/>
-                </a:solidFill>
-                <a:latin typeface="微軟正黑體" pitchFamily="34" charset="-120"/>
-                <a:ea typeface="微軟正黑體" pitchFamily="34" charset="-120"/>
-              </a:rPr>
-              <a:t>為</a:t>
-            </a:r>
-            <a:r>
-              <a:rPr lang="zh-CN" altLang="en-US" sz="5400" b="1" dirty="0">
-                <a:solidFill>
-                  <a:srgbClr val="660033"/>
-                </a:solidFill>
-                <a:latin typeface="微軟正黑體" pitchFamily="34" charset="-120"/>
-                <a:ea typeface="微軟正黑體" pitchFamily="34" charset="-120"/>
-              </a:rPr>
-              <a:t>袮</a:t>
-            </a:r>
-            <a:r>
-              <a:rPr lang="zh-TW" altLang="en-US" sz="5400" b="1" dirty="0" smtClean="0">
-                <a:solidFill>
-                  <a:srgbClr val="660033"/>
-                </a:solidFill>
-                <a:latin typeface="微軟正黑體" pitchFamily="34" charset="-120"/>
-                <a:ea typeface="微軟正黑體" pitchFamily="34" charset="-120"/>
-              </a:rPr>
-              <a:t>全</a:t>
-            </a:r>
-            <a:r>
-              <a:rPr lang="zh-TW" altLang="en-US" sz="5400" b="1" dirty="0">
-                <a:solidFill>
-                  <a:srgbClr val="660033"/>
-                </a:solidFill>
-                <a:latin typeface="微軟正黑體" pitchFamily="34" charset="-120"/>
-                <a:ea typeface="微軟正黑體" pitchFamily="34" charset="-120"/>
-              </a:rPr>
-              <a:t>丟棄</a:t>
-            </a:r>
-          </a:p>
-          <a:p>
-            <a:pPr algn="ctr">
-              <a:buNone/>
-            </a:pPr>
-            <a:r>
-              <a:rPr lang="zh-CN" altLang="en-US" sz="5400" b="1" dirty="0">
-                <a:solidFill>
-                  <a:srgbClr val="660033"/>
-                </a:solidFill>
-                <a:latin typeface="微軟正黑體" pitchFamily="34" charset="-120"/>
-                <a:ea typeface="微軟正黑體" pitchFamily="34" charset="-120"/>
-              </a:rPr>
-              <a:t>袮</a:t>
-            </a:r>
-            <a:r>
-              <a:rPr lang="zh-TW" altLang="en-US" sz="5400" b="1" dirty="0" smtClean="0">
-                <a:solidFill>
-                  <a:srgbClr val="660033"/>
-                </a:solidFill>
-                <a:latin typeface="微軟正黑體" pitchFamily="34" charset="-120"/>
-                <a:ea typeface="微軟正黑體" pitchFamily="34" charset="-120"/>
-              </a:rPr>
-              <a:t>是</a:t>
-            </a:r>
-            <a:r>
-              <a:rPr lang="zh-TW" altLang="en-US" sz="5400" b="1" dirty="0">
-                <a:solidFill>
-                  <a:srgbClr val="660033"/>
-                </a:solidFill>
-                <a:latin typeface="微軟正黑體" pitchFamily="34" charset="-120"/>
-                <a:ea typeface="微軟正黑體" pitchFamily="34" charset="-120"/>
-              </a:rPr>
-              <a:t>我救主為我還清罪債</a:t>
-            </a:r>
-          </a:p>
-          <a:p>
-            <a:pPr algn="ctr">
-              <a:buNone/>
-            </a:pPr>
-            <a:r>
-              <a:rPr lang="zh-TW" altLang="en-US" sz="5400" b="1" dirty="0">
-                <a:solidFill>
-                  <a:srgbClr val="660033"/>
-                </a:solidFill>
-                <a:latin typeface="微軟正黑體" pitchFamily="34" charset="-120"/>
-                <a:ea typeface="微軟正黑體" pitchFamily="34" charset="-120"/>
-              </a:rPr>
-              <a:t>若我曾愛救主 於今更親愛</a:t>
-            </a:r>
-          </a:p>
-        </p:txBody>
-      </p:sp>
-      <p:sp>
-        <p:nvSpPr>
-          <p:cNvPr id="2" name="TextBox 1"/>
-          <p:cNvSpPr txBox="1"/>
-          <p:nvPr/>
-        </p:nvSpPr>
-        <p:spPr>
-          <a:xfrm>
-            <a:off x="609600" y="1600201"/>
-            <a:ext cx="1165920" cy="1015663"/>
-          </a:xfrm>
-          <a:prstGeom prst="rect">
-            <a:avLst/>
-          </a:prstGeom>
-          <a:noFill/>
-        </p:spPr>
-        <p:txBody>
-          <a:bodyPr wrap="square" rtlCol="0">
-            <a:spAutoFit/>
-          </a:bodyPr>
-          <a:lstStyle/>
-          <a:p>
-            <a:r>
-              <a:rPr lang="en-US" sz="6000" b="1" dirty="0" smtClean="0">
-                <a:solidFill>
-                  <a:srgbClr val="660033"/>
-                </a:solidFill>
-              </a:rPr>
-              <a:t>1.</a:t>
-            </a:r>
-            <a:endParaRPr lang="vi-VN" sz="6000" b="1" dirty="0">
-              <a:solidFill>
-                <a:srgbClr val="660033"/>
-              </a:solidFill>
-            </a:endParaRPr>
+              <a:t>愛耶穌</a:t>
+            </a:r>
           </a:p>
         </p:txBody>
       </p:sp>
     </p:spTree>
+    <p:extLst>
+      <p:ext uri="{BB962C8B-B14F-4D97-AF65-F5344CB8AC3E}">
+        <p14:creationId xmlns:p14="http://schemas.microsoft.com/office/powerpoint/2010/main" val="255580445"/>
+      </p:ext>
+    </p:extLst>
   </p:cSld>
   <p:clrMapOvr>
     <a:masterClrMapping/>
   </p:clrMapOvr>
+  <p:timing>
+    <p:tnLst>
+      <p:par>
+        <p:cTn id="1" dur="indefinite" restart="never" nodeType="tmRoot"/>
+      </p:par>
+    </p:tnLst>
+  </p:timing>
 </p:sld>
 </file>
 
@@ -3387,122 +3257,131 @@
       </p:grpSpPr>
       <p:sp>
         <p:nvSpPr>
-          <p:cNvPr id="4" name="標題 3"/>
-          <p:cNvSpPr>
-            <a:spLocks noGrp="1"/>
-          </p:cNvSpPr>
-          <p:nvPr>
-            <p:ph type="title"/>
-          </p:nvPr>
-        </p:nvSpPr>
-        <p:spPr/>
-        <p:txBody>
-          <a:bodyPr>
+          <p:cNvPr id="5" name="內容版面配置區 4"/>
+          <p:cNvSpPr>
+            <a:spLocks noGrp="1"/>
+          </p:cNvSpPr>
+          <p:nvPr>
+            <p:ph idx="1"/>
+          </p:nvPr>
+        </p:nvSpPr>
+        <p:spPr>
+          <a:xfrm>
+            <a:off x="0" y="2084853"/>
+            <a:ext cx="12192000" cy="2404863"/>
+          </a:xfrm>
+        </p:spPr>
+        <p:txBody>
+          <a:bodyPr anchor="ctr">
             <a:normAutofit/>
           </a:bodyPr>
           <a:lstStyle/>
           <a:p>
-            <a:r>
-              <a:rPr lang="zh-TW" altLang="en-US" sz="4800" b="1" dirty="0">
-                <a:solidFill>
-                  <a:srgbClr val="660033"/>
+            <a:pPr lvl="0" algn="ctr">
+              <a:buNone/>
+            </a:pPr>
+            <a:r>
+              <a:rPr lang="zh-TW" altLang="en-US" sz="6400" b="1" dirty="0">
+                <a:solidFill>
+                  <a:srgbClr val="000066"/>
                 </a:solidFill>
                 <a:latin typeface="微軟正黑體" pitchFamily="34" charset="-120"/>
                 <a:ea typeface="微軟正黑體" pitchFamily="34" charset="-120"/>
               </a:rPr>
-              <a:t>親愛耶穌</a:t>
-            </a:r>
-          </a:p>
-        </p:txBody>
-      </p:sp>
-      <p:sp>
-        <p:nvSpPr>
-          <p:cNvPr id="5" name="內容版面配置區 4"/>
-          <p:cNvSpPr>
-            <a:spLocks noGrp="1"/>
-          </p:cNvSpPr>
-          <p:nvPr>
-            <p:ph idx="1"/>
-          </p:nvPr>
-        </p:nvSpPr>
-        <p:spPr/>
-        <p:txBody>
-          <a:bodyPr>
-            <a:normAutofit/>
-          </a:bodyPr>
-          <a:lstStyle/>
-          <a:p>
-            <a:pPr lvl="0" algn="ctr">
-              <a:buNone/>
-            </a:pPr>
-            <a:r>
-              <a:rPr lang="zh-TW" altLang="en-US" sz="5400" b="1" dirty="0">
-                <a:solidFill>
-                  <a:srgbClr val="660033"/>
+              <a:t>主耶穌我愛</a:t>
+            </a:r>
+            <a:r>
+              <a:rPr lang="zh-CN" altLang="en-US" sz="6400" b="1" dirty="0">
+                <a:solidFill>
+                  <a:srgbClr val="000066"/>
                 </a:solidFill>
                 <a:latin typeface="微軟正黑體" pitchFamily="34" charset="-120"/>
                 <a:ea typeface="微軟正黑體" pitchFamily="34" charset="-120"/>
               </a:rPr>
-              <a:t>我深愛主耶穌 因主先愛我</a:t>
-            </a:r>
-          </a:p>
-          <a:p>
-            <a:pPr algn="ctr">
-              <a:buNone/>
-            </a:pPr>
-            <a:r>
-              <a:rPr lang="zh-TW" altLang="en-US" sz="5400" b="1" dirty="0">
-                <a:solidFill>
-                  <a:srgbClr val="660033"/>
+              <a:t>袮</a:t>
+            </a:r>
+            <a:r>
+              <a:rPr lang="zh-TW" altLang="en-US" sz="6400" b="1" dirty="0">
+                <a:solidFill>
+                  <a:srgbClr val="000066"/>
                 </a:solidFill>
                 <a:latin typeface="微軟正黑體" pitchFamily="34" charset="-120"/>
                 <a:ea typeface="微軟正黑體" pitchFamily="34" charset="-120"/>
               </a:rPr>
-              <a:t>在十架替我死赦免眾罪過</a:t>
-            </a:r>
-          </a:p>
-          <a:p>
-            <a:pPr algn="ctr">
-              <a:buNone/>
-            </a:pPr>
-            <a:r>
-              <a:rPr lang="zh-TW" altLang="en-US" sz="5400" b="1" dirty="0">
-                <a:solidFill>
-                  <a:srgbClr val="660033"/>
+              <a:t>  深知我屬</a:t>
+            </a:r>
+            <a:r>
+              <a:rPr lang="zh-CN" altLang="en-US" sz="6400" b="1" dirty="0">
+                <a:solidFill>
+                  <a:srgbClr val="000066"/>
                 </a:solidFill>
                 <a:latin typeface="微軟正黑體" pitchFamily="34" charset="-120"/>
                 <a:ea typeface="微軟正黑體" pitchFamily="34" charset="-120"/>
               </a:rPr>
-              <a:t>主為我戴荊冠受羞辱陷害</a:t>
-            </a:r>
+              <a:t>袮</a:t>
+            </a:r>
+            <a:endParaRPr lang="zh-TW" altLang="en-US" sz="6400" b="1" dirty="0">
+              <a:solidFill>
+                <a:srgbClr val="000066"/>
+              </a:solidFill>
+              <a:latin typeface="微軟正黑體" pitchFamily="34" charset="-120"/>
+              <a:ea typeface="微軟正黑體" pitchFamily="34" charset="-120"/>
+            </a:endParaRPr>
           </a:p>
           <a:p>
             <a:pPr algn="ctr">
               <a:buNone/>
             </a:pPr>
             <a:r>
-              <a:rPr lang="zh-TW" altLang="en-US" sz="5400" b="1" dirty="0">
-                <a:solidFill>
-                  <a:srgbClr val="660033"/>
+              <a:rPr lang="zh-TW" altLang="en-US" sz="6400" b="1" dirty="0">
+                <a:solidFill>
+                  <a:srgbClr val="000066"/>
                 </a:solidFill>
                 <a:latin typeface="微軟正黑體" pitchFamily="34" charset="-120"/>
                 <a:ea typeface="微軟正黑體" pitchFamily="34" charset="-120"/>
               </a:rPr>
-              <a:t>若我曾愛救主 於今更親愛</a:t>
-            </a:r>
-          </a:p>
-        </p:txBody>
-      </p:sp>
-      <p:sp>
-        <p:nvSpPr>
-          <p:cNvPr id="6" name="TextBox 5"/>
+              <a:t>世上諸樂趣願為</a:t>
+            </a:r>
+            <a:r>
+              <a:rPr lang="zh-CN" altLang="en-US" sz="6400" b="1" dirty="0">
+                <a:solidFill>
+                  <a:srgbClr val="000066"/>
+                </a:solidFill>
+                <a:latin typeface="微軟正黑體" pitchFamily="34" charset="-120"/>
+                <a:ea typeface="微軟正黑體" pitchFamily="34" charset="-120"/>
+              </a:rPr>
+              <a:t>袮</a:t>
+            </a:r>
+            <a:r>
+              <a:rPr lang="zh-TW" altLang="en-US" sz="6400" b="1" dirty="0">
+                <a:solidFill>
+                  <a:srgbClr val="000066"/>
+                </a:solidFill>
+                <a:latin typeface="微軟正黑體" pitchFamily="34" charset="-120"/>
+                <a:ea typeface="微軟正黑體" pitchFamily="34" charset="-120"/>
+              </a:rPr>
+              <a:t>全丟棄</a:t>
+            </a:r>
+            <a:endParaRPr lang="zh-TW" altLang="en-US" sz="6400" b="1" dirty="0">
+              <a:solidFill>
+                <a:srgbClr val="000066"/>
+              </a:solidFill>
+              <a:latin typeface="微軟正黑體" pitchFamily="34" charset="-120"/>
+              <a:ea typeface="微軟正黑體" pitchFamily="34" charset="-120"/>
+            </a:endParaRPr>
+          </a:p>
+        </p:txBody>
+      </p:sp>
+      <p:sp>
+        <p:nvSpPr>
+          <p:cNvPr id="3" name="TextBox 2"/>
           <p:cNvSpPr txBox="1"/>
           <p:nvPr/>
         </p:nvSpPr>
         <p:spPr>
           <a:xfrm>
-            <a:off x="609600" y="1600201"/>
-            <a:ext cx="1165920" cy="1015663"/>
+            <a:off x="0" y="5253205"/>
+            <a:ext cx="12192000" cy="830997"/>
           </a:xfrm>
           <a:prstGeom prst="rect">
             <a:avLst/>
@@ -3515,35 +3394,56 @@
           </a:bodyPr>
           <a:lstStyle/>
           <a:p>
-            <a:r>
-              <a:rPr lang="en-US" sz="6000" b="1" dirty="0">
-                <a:solidFill>
-                  <a:srgbClr val="660033"/>
-                </a:solidFill>
-              </a:rPr>
-              <a:t>2</a:t>
-            </a:r>
-            <a:r>
-              <a:rPr lang="en-US" sz="6000" b="1" dirty="0" smtClean="0">
-                <a:solidFill>
-                  <a:srgbClr val="660033"/>
-                </a:solidFill>
-              </a:rPr>
-              <a:t>.</a:t>
-            </a:r>
-            <a:endParaRPr lang="vi-VN" sz="6000" b="1" dirty="0">
+            <a:pPr algn="ctr"/>
+            <a:r>
+              <a:rPr lang="en-US" sz="4800" b="1" dirty="0">
+                <a:solidFill>
+                  <a:srgbClr val="000066"/>
+                </a:solidFill>
+              </a:rPr>
+              <a:t>( </a:t>
+            </a:r>
+            <a:r>
+              <a:rPr lang="en-US" sz="4800" b="1" dirty="0">
+                <a:solidFill>
+                  <a:srgbClr val="000066"/>
+                </a:solidFill>
+              </a:rPr>
+              <a:t>1 </a:t>
+            </a:r>
+            <a:r>
+              <a:rPr lang="en-US" sz="4800" b="1" dirty="0">
+                <a:solidFill>
+                  <a:srgbClr val="000066"/>
+                </a:solidFill>
+              </a:rPr>
+              <a:t>)</a:t>
+            </a:r>
+            <a:endParaRPr lang="vi-VN" sz="4800" b="1" dirty="0">
               <a:solidFill>
-                <a:srgbClr val="660033"/>
+                <a:srgbClr val="000066"/>
               </a:solidFill>
             </a:endParaRPr>
           </a:p>
         </p:txBody>
       </p:sp>
     </p:spTree>
+    <p:extLst>
+      <p:ext uri="{BB962C8B-B14F-4D97-AF65-F5344CB8AC3E}">
+        <p14:creationId xmlns:p14="http://schemas.microsoft.com/office/powerpoint/2010/main" val="2267601653"/>
+      </p:ext>
+    </p:extLst>
   </p:cSld>
   <p:clrMapOvr>
     <a:masterClrMapping/>
   </p:clrMapOvr>
+  <p:timing>
+    <p:tnLst>
+      <p:par>
+        <p:cTn id="1" dur="indefinite" restart="never" nodeType="tmRoot"/>
+      </p:par>
+    </p:tnLst>
+  </p:timing>
 </p:sld>
 </file>
 
@@ -3566,63 +3466,48 @@
       </p:grpSpPr>
       <p:sp>
         <p:nvSpPr>
-          <p:cNvPr id="4" name="標題 3"/>
-          <p:cNvSpPr>
-            <a:spLocks noGrp="1"/>
-          </p:cNvSpPr>
-          <p:nvPr>
-            <p:ph type="title"/>
-          </p:nvPr>
-        </p:nvSpPr>
-        <p:spPr/>
-        <p:txBody>
-          <a:bodyPr>
+          <p:cNvPr id="5" name="內容版面配置區 4"/>
+          <p:cNvSpPr>
+            <a:spLocks noGrp="1"/>
+          </p:cNvSpPr>
+          <p:nvPr>
+            <p:ph idx="1"/>
+          </p:nvPr>
+        </p:nvSpPr>
+        <p:spPr>
+          <a:xfrm>
+            <a:off x="0" y="2084853"/>
+            <a:ext cx="12192000" cy="2404863"/>
+          </a:xfrm>
+        </p:spPr>
+        <p:txBody>
+          <a:bodyPr anchor="ctr">
             <a:normAutofit/>
           </a:bodyPr>
           <a:lstStyle/>
           <a:p>
-            <a:r>
-              <a:rPr lang="zh-TW" altLang="en-US" sz="4800" b="1" dirty="0">
-                <a:solidFill>
-                  <a:srgbClr val="660033"/>
+            <a:pPr algn="ctr">
+              <a:buNone/>
+            </a:pPr>
+            <a:r>
+              <a:rPr lang="zh-CN" altLang="en-US" sz="6400" b="1" dirty="0">
+                <a:solidFill>
+                  <a:srgbClr val="000066"/>
                 </a:solidFill>
                 <a:latin typeface="微軟正黑體" pitchFamily="34" charset="-120"/>
                 <a:ea typeface="微軟正黑體" pitchFamily="34" charset="-120"/>
               </a:rPr>
-              <a:t>親愛耶穌</a:t>
-            </a:r>
-          </a:p>
-        </p:txBody>
-      </p:sp>
-      <p:sp>
-        <p:nvSpPr>
-          <p:cNvPr id="5" name="內容版面配置區 4"/>
-          <p:cNvSpPr>
-            <a:spLocks noGrp="1"/>
-          </p:cNvSpPr>
-          <p:nvPr>
-            <p:ph idx="1"/>
-          </p:nvPr>
-        </p:nvSpPr>
-        <p:spPr/>
-        <p:txBody>
-          <a:bodyPr>
-            <a:normAutofit/>
-          </a:bodyPr>
-          <a:lstStyle/>
-          <a:p>
-            <a:pPr lvl="0" algn="ctr">
-              <a:buNone/>
-            </a:pPr>
-            <a:r>
-              <a:rPr lang="zh-TW" altLang="en-US" sz="5400" b="1" dirty="0">
-                <a:solidFill>
-                  <a:srgbClr val="660033"/>
+              <a:t>袮</a:t>
+            </a:r>
+            <a:r>
+              <a:rPr lang="zh-TW" altLang="en-US" sz="6400" b="1" dirty="0">
+                <a:solidFill>
+                  <a:srgbClr val="000066"/>
                 </a:solidFill>
                 <a:latin typeface="微軟正黑體" pitchFamily="34" charset="-120"/>
                 <a:ea typeface="微軟正黑體" pitchFamily="34" charset="-120"/>
               </a:rPr>
-              <a:t>無論死生憂樂 我仍愛我主</a:t>
+              <a:t>是我救主為我還清罪債</a:t>
             </a:r>
           </a:p>
           <a:p>
@@ -3630,58 +3515,35 @@
               <a:buNone/>
             </a:pPr>
             <a:r>
-              <a:rPr lang="zh-TW" altLang="en-US" sz="5400" b="1" dirty="0">
-                <a:solidFill>
-                  <a:srgbClr val="660033"/>
+              <a:rPr lang="zh-TW" altLang="en-US" sz="6400" b="1" dirty="0">
+                <a:solidFill>
+                  <a:srgbClr val="000066"/>
                 </a:solidFill>
                 <a:latin typeface="微軟正黑體" pitchFamily="34" charset="-120"/>
                 <a:ea typeface="微軟正黑體" pitchFamily="34" charset="-120"/>
               </a:rPr>
-              <a:t>在世我要時常讚美主耶穌</a:t>
-            </a:r>
-          </a:p>
-          <a:p>
-            <a:pPr algn="ctr">
-              <a:buNone/>
-            </a:pPr>
-            <a:r>
-              <a:rPr lang="zh-TW" altLang="en-US" sz="5400" b="1" dirty="0">
-                <a:solidFill>
-                  <a:srgbClr val="660033"/>
-                </a:solidFill>
-                <a:latin typeface="微軟正黑體" pitchFamily="34" charset="-120"/>
-                <a:ea typeface="微軟正黑體" pitchFamily="34" charset="-120"/>
-              </a:rPr>
-              <a:t>直到主再臨我必儆醒等待</a:t>
-            </a:r>
-          </a:p>
-          <a:p>
-            <a:pPr algn="ctr">
-              <a:buNone/>
-            </a:pPr>
-            <a:r>
-              <a:rPr lang="zh-TW" altLang="en-US" sz="5400" b="1" dirty="0">
-                <a:solidFill>
-                  <a:srgbClr val="660033"/>
-                </a:solidFill>
-                <a:latin typeface="微軟正黑體" pitchFamily="34" charset="-120"/>
-                <a:ea typeface="微軟正黑體" pitchFamily="34" charset="-120"/>
-              </a:rPr>
-              <a:t>若我曾愛救主 於今更親愛</a:t>
-            </a:r>
-          </a:p>
-        </p:txBody>
-      </p:sp>
-      <p:sp>
-        <p:nvSpPr>
-          <p:cNvPr id="6" name="TextBox 5"/>
+              <a:t>若我曾愛救主  於今更親愛</a:t>
+            </a:r>
+            <a:endParaRPr lang="zh-TW" altLang="en-US" sz="6400" b="1" dirty="0">
+              <a:solidFill>
+                <a:srgbClr val="000066"/>
+              </a:solidFill>
+              <a:latin typeface="微軟正黑體" pitchFamily="34" charset="-120"/>
+              <a:ea typeface="微軟正黑體" pitchFamily="34" charset="-120"/>
+            </a:endParaRPr>
+          </a:p>
+        </p:txBody>
+      </p:sp>
+      <p:sp>
+        <p:nvSpPr>
+          <p:cNvPr id="3" name="TextBox 2"/>
           <p:cNvSpPr txBox="1"/>
           <p:nvPr/>
         </p:nvSpPr>
         <p:spPr>
           <a:xfrm>
-            <a:off x="609600" y="1600201"/>
-            <a:ext cx="1165920" cy="1015663"/>
+            <a:off x="0" y="5253205"/>
+            <a:ext cx="12192000" cy="830997"/>
           </a:xfrm>
           <a:prstGeom prst="rect">
             <a:avLst/>
@@ -3694,35 +3556,56 @@
           </a:bodyPr>
           <a:lstStyle/>
           <a:p>
-            <a:r>
-              <a:rPr lang="en-US" sz="6000" b="1" dirty="0">
-                <a:solidFill>
-                  <a:srgbClr val="660033"/>
-                </a:solidFill>
-              </a:rPr>
-              <a:t>3</a:t>
-            </a:r>
-            <a:r>
-              <a:rPr lang="en-US" sz="6000" b="1" dirty="0" smtClean="0">
-                <a:solidFill>
-                  <a:srgbClr val="660033"/>
-                </a:solidFill>
-              </a:rPr>
-              <a:t>.</a:t>
-            </a:r>
-            <a:endParaRPr lang="vi-VN" sz="6000" b="1" dirty="0">
+            <a:pPr algn="ctr"/>
+            <a:r>
+              <a:rPr lang="en-US" sz="4800" b="1" dirty="0">
+                <a:solidFill>
+                  <a:srgbClr val="000066"/>
+                </a:solidFill>
+              </a:rPr>
+              <a:t>( </a:t>
+            </a:r>
+            <a:r>
+              <a:rPr lang="en-US" sz="4800" b="1" dirty="0">
+                <a:solidFill>
+                  <a:srgbClr val="000066"/>
+                </a:solidFill>
+              </a:rPr>
+              <a:t>1 </a:t>
+            </a:r>
+            <a:r>
+              <a:rPr lang="en-US" sz="4800" b="1" dirty="0">
+                <a:solidFill>
+                  <a:srgbClr val="000066"/>
+                </a:solidFill>
+              </a:rPr>
+              <a:t>)</a:t>
+            </a:r>
+            <a:endParaRPr lang="vi-VN" sz="4800" b="1" dirty="0">
               <a:solidFill>
-                <a:srgbClr val="660033"/>
+                <a:srgbClr val="000066"/>
               </a:solidFill>
             </a:endParaRPr>
           </a:p>
         </p:txBody>
       </p:sp>
     </p:spTree>
+    <p:extLst>
+      <p:ext uri="{BB962C8B-B14F-4D97-AF65-F5344CB8AC3E}">
+        <p14:creationId xmlns:p14="http://schemas.microsoft.com/office/powerpoint/2010/main" val="88619947"/>
+      </p:ext>
+    </p:extLst>
   </p:cSld>
   <p:clrMapOvr>
     <a:masterClrMapping/>
   </p:clrMapOvr>
+  <p:timing>
+    <p:tnLst>
+      <p:par>
+        <p:cTn id="1" dur="indefinite" restart="never" nodeType="tmRoot"/>
+      </p:par>
+    </p:tnLst>
+  </p:timing>
 </p:sld>
 </file>
 
@@ -3745,122 +3628,74 @@
       </p:grpSpPr>
       <p:sp>
         <p:nvSpPr>
-          <p:cNvPr id="4" name="標題 3"/>
-          <p:cNvSpPr>
-            <a:spLocks noGrp="1"/>
-          </p:cNvSpPr>
-          <p:nvPr>
-            <p:ph type="title"/>
-          </p:nvPr>
-        </p:nvSpPr>
-        <p:spPr/>
-        <p:txBody>
-          <a:bodyPr>
+          <p:cNvPr id="5" name="內容版面配置區 4"/>
+          <p:cNvSpPr>
+            <a:spLocks noGrp="1"/>
+          </p:cNvSpPr>
+          <p:nvPr>
+            <p:ph idx="1"/>
+          </p:nvPr>
+        </p:nvSpPr>
+        <p:spPr>
+          <a:xfrm>
+            <a:off x="0" y="2084853"/>
+            <a:ext cx="12192000" cy="2404863"/>
+          </a:xfrm>
+        </p:spPr>
+        <p:txBody>
+          <a:bodyPr anchor="ctr">
             <a:normAutofit/>
           </a:bodyPr>
           <a:lstStyle/>
           <a:p>
-            <a:r>
-              <a:rPr lang="zh-TW" altLang="en-US" sz="4800" b="1" dirty="0">
-                <a:solidFill>
-                  <a:srgbClr val="660033"/>
+            <a:pPr lvl="0" algn="ctr">
+              <a:buNone/>
+            </a:pPr>
+            <a:r>
+              <a:rPr lang="zh-TW" altLang="en-US" sz="6400" b="1" dirty="0">
+                <a:solidFill>
+                  <a:srgbClr val="000066"/>
                 </a:solidFill>
                 <a:latin typeface="微軟正黑體" pitchFamily="34" charset="-120"/>
                 <a:ea typeface="微軟正黑體" pitchFamily="34" charset="-120"/>
               </a:rPr>
-              <a:t>親愛耶穌</a:t>
-            </a:r>
-          </a:p>
-        </p:txBody>
-      </p:sp>
-      <p:sp>
-        <p:nvSpPr>
-          <p:cNvPr id="5" name="內容版面配置區 4"/>
-          <p:cNvSpPr>
-            <a:spLocks noGrp="1"/>
-          </p:cNvSpPr>
-          <p:nvPr>
-            <p:ph idx="1"/>
-          </p:nvPr>
-        </p:nvSpPr>
-        <p:spPr/>
-        <p:txBody>
-          <a:bodyPr>
-            <a:normAutofit/>
-          </a:bodyPr>
-          <a:lstStyle/>
-          <a:p>
-            <a:pPr lvl="0" algn="ctr">
+              <a:t>我深愛主耶穌  因主先愛我</a:t>
+            </a:r>
+          </a:p>
+          <a:p>
+            <a:pPr algn="ctr">
               <a:buNone/>
             </a:pPr>
             <a:r>
-              <a:rPr lang="zh-TW" altLang="en-US" sz="5400" b="1" dirty="0">
-                <a:solidFill>
-                  <a:srgbClr val="660033"/>
+              <a:rPr lang="zh-TW" altLang="en-US" sz="6400" b="1" dirty="0">
+                <a:solidFill>
+                  <a:srgbClr val="000066"/>
                 </a:solidFill>
                 <a:latin typeface="微軟正黑體" pitchFamily="34" charset="-120"/>
                 <a:ea typeface="微軟正黑體" pitchFamily="34" charset="-120"/>
               </a:rPr>
-              <a:t>主再來迎接我 永住榮耀中</a:t>
-            </a:r>
-          </a:p>
-          <a:p>
-            <a:pPr algn="ctr">
-              <a:buNone/>
-            </a:pPr>
-            <a:r>
-              <a:rPr lang="zh-TW" altLang="en-US" sz="5400" b="1" dirty="0">
-                <a:solidFill>
-                  <a:srgbClr val="660033"/>
-                </a:solidFill>
-                <a:latin typeface="微軟正黑體" pitchFamily="34" charset="-120"/>
-                <a:ea typeface="微軟正黑體" pitchFamily="34" charset="-120"/>
-              </a:rPr>
-              <a:t>我必時常頌揚救主大恩寵</a:t>
-            </a:r>
-          </a:p>
-          <a:p>
-            <a:pPr algn="ctr">
-              <a:buNone/>
-            </a:pPr>
-            <a:r>
-              <a:rPr lang="zh-TW" altLang="en-US" sz="5400" b="1" dirty="0">
-                <a:solidFill>
-                  <a:srgbClr val="660033"/>
-                </a:solidFill>
-                <a:latin typeface="微軟正黑體" pitchFamily="34" charset="-120"/>
-                <a:ea typeface="微軟正黑體" pitchFamily="34" charset="-120"/>
-              </a:rPr>
-              <a:t>戴榮耀冠冕賞賜恩乃格外</a:t>
-            </a:r>
-          </a:p>
-          <a:p>
-            <a:pPr algn="ctr">
-              <a:buNone/>
-            </a:pPr>
-            <a:r>
-              <a:rPr lang="zh-TW" altLang="en-US" sz="5400" b="1" dirty="0">
-                <a:solidFill>
-                  <a:srgbClr val="660033"/>
-                </a:solidFill>
-                <a:latin typeface="微軟正黑體" pitchFamily="34" charset="-120"/>
-                <a:ea typeface="微軟正黑體" pitchFamily="34" charset="-120"/>
-              </a:rPr>
-              <a:t>若我曾愛救主 於今更親愛</a:t>
-            </a:r>
-          </a:p>
-        </p:txBody>
-      </p:sp>
-      <p:sp>
-        <p:nvSpPr>
-          <p:cNvPr id="6" name="TextBox 5"/>
+              <a:t>在十架替我死赦免眾罪過</a:t>
+            </a:r>
+            <a:endParaRPr lang="zh-TW" altLang="en-US" sz="6400" b="1" dirty="0">
+              <a:solidFill>
+                <a:srgbClr val="000066"/>
+              </a:solidFill>
+              <a:latin typeface="微軟正黑體" pitchFamily="34" charset="-120"/>
+              <a:ea typeface="微軟正黑體" pitchFamily="34" charset="-120"/>
+            </a:endParaRPr>
+          </a:p>
+        </p:txBody>
+      </p:sp>
+      <p:sp>
+        <p:nvSpPr>
+          <p:cNvPr id="3" name="TextBox 2"/>
           <p:cNvSpPr txBox="1"/>
           <p:nvPr/>
         </p:nvSpPr>
         <p:spPr>
           <a:xfrm>
-            <a:off x="609600" y="1600201"/>
-            <a:ext cx="1165920" cy="1015663"/>
+            <a:off x="0" y="5253205"/>
+            <a:ext cx="12192000" cy="830997"/>
           </a:xfrm>
           <a:prstGeom prst="rect">
             <a:avLst/>
@@ -3873,35 +3708,816 @@
           </a:bodyPr>
           <a:lstStyle/>
           <a:p>
-            <a:r>
-              <a:rPr lang="en-US" sz="6000" b="1" dirty="0">
-                <a:solidFill>
-                  <a:srgbClr val="660033"/>
-                </a:solidFill>
-              </a:rPr>
-              <a:t>4</a:t>
-            </a:r>
-            <a:r>
-              <a:rPr lang="en-US" sz="6000" b="1" dirty="0" smtClean="0">
-                <a:solidFill>
-                  <a:srgbClr val="660033"/>
-                </a:solidFill>
-              </a:rPr>
-              <a:t>.</a:t>
-            </a:r>
-            <a:endParaRPr lang="vi-VN" sz="6000" b="1" dirty="0">
+            <a:pPr algn="ctr"/>
+            <a:r>
+              <a:rPr lang="en-US" sz="4800" b="1" dirty="0">
+                <a:solidFill>
+                  <a:srgbClr val="000066"/>
+                </a:solidFill>
+              </a:rPr>
+              <a:t>( </a:t>
+            </a:r>
+            <a:r>
+              <a:rPr lang="en-US" sz="4800" b="1" dirty="0">
+                <a:solidFill>
+                  <a:srgbClr val="000066"/>
+                </a:solidFill>
+              </a:rPr>
+              <a:t>2 </a:t>
+            </a:r>
+            <a:r>
+              <a:rPr lang="en-US" sz="4800" b="1" dirty="0">
+                <a:solidFill>
+                  <a:srgbClr val="000066"/>
+                </a:solidFill>
+              </a:rPr>
+              <a:t>)</a:t>
+            </a:r>
+            <a:endParaRPr lang="vi-VN" sz="4800" b="1" dirty="0">
               <a:solidFill>
-                <a:srgbClr val="660033"/>
+                <a:srgbClr val="000066"/>
               </a:solidFill>
             </a:endParaRPr>
           </a:p>
         </p:txBody>
       </p:sp>
     </p:spTree>
+    <p:extLst>
+      <p:ext uri="{BB962C8B-B14F-4D97-AF65-F5344CB8AC3E}">
+        <p14:creationId xmlns:p14="http://schemas.microsoft.com/office/powerpoint/2010/main" val="1984527361"/>
+      </p:ext>
+    </p:extLst>
   </p:cSld>
   <p:clrMapOvr>
     <a:masterClrMapping/>
   </p:clrMapOvr>
+  <p:timing>
+    <p:tnLst>
+      <p:par>
+        <p:cTn id="1" dur="indefinite" restart="never" nodeType="tmRoot"/>
+      </p:par>
+    </p:tnLst>
+  </p:timing>
+</p:sld>
+</file>
+
+<file path=ppt/slides/slide5.xml><?xml version="1.0" encoding="utf-8"?>
+<p:sld xmlns:a="http://schemas.openxmlformats.org/drawingml/2006/main" xmlns:r="http://schemas.openxmlformats.org/officeDocument/2006/relationships" xmlns:p="http://schemas.openxmlformats.org/presentationml/2006/main">
+  <p:cSld>
+    <p:spTree>
+      <p:nvGrpSpPr>
+        <p:cNvPr id="1" name=""/>
+        <p:cNvGrpSpPr/>
+        <p:nvPr/>
+      </p:nvGrpSpPr>
+      <p:grpSpPr>
+        <a:xfrm>
+          <a:off x="0" y="0"/>
+          <a:ext cx="0" cy="0"/>
+          <a:chOff x="0" y="0"/>
+          <a:chExt cx="0" cy="0"/>
+        </a:xfrm>
+      </p:grpSpPr>
+      <p:sp>
+        <p:nvSpPr>
+          <p:cNvPr id="5" name="內容版面配置區 4"/>
+          <p:cNvSpPr>
+            <a:spLocks noGrp="1"/>
+          </p:cNvSpPr>
+          <p:nvPr>
+            <p:ph idx="1"/>
+          </p:nvPr>
+        </p:nvSpPr>
+        <p:spPr>
+          <a:xfrm>
+            <a:off x="0" y="2084853"/>
+            <a:ext cx="12192000" cy="2404863"/>
+          </a:xfrm>
+        </p:spPr>
+        <p:txBody>
+          <a:bodyPr anchor="ctr">
+            <a:normAutofit/>
+          </a:bodyPr>
+          <a:lstStyle/>
+          <a:p>
+            <a:pPr algn="ctr">
+              <a:buNone/>
+            </a:pPr>
+            <a:r>
+              <a:rPr lang="zh-TW" altLang="en-US" sz="6400" b="1" dirty="0">
+                <a:solidFill>
+                  <a:srgbClr val="000066"/>
+                </a:solidFill>
+                <a:latin typeface="微軟正黑體" pitchFamily="34" charset="-120"/>
+                <a:ea typeface="微軟正黑體" pitchFamily="34" charset="-120"/>
+              </a:rPr>
+              <a:t>主為我戴荊冠受羞辱陷害</a:t>
+            </a:r>
+          </a:p>
+          <a:p>
+            <a:pPr algn="ctr">
+              <a:buNone/>
+            </a:pPr>
+            <a:r>
+              <a:rPr lang="zh-TW" altLang="en-US" sz="6400" b="1" dirty="0">
+                <a:solidFill>
+                  <a:srgbClr val="000066"/>
+                </a:solidFill>
+                <a:latin typeface="微軟正黑體" pitchFamily="34" charset="-120"/>
+                <a:ea typeface="微軟正黑體" pitchFamily="34" charset="-120"/>
+              </a:rPr>
+              <a:t>若我曾愛救主  於今更親愛</a:t>
+            </a:r>
+            <a:endParaRPr lang="zh-TW" altLang="en-US" sz="6400" b="1" dirty="0">
+              <a:solidFill>
+                <a:srgbClr val="000066"/>
+              </a:solidFill>
+              <a:latin typeface="微軟正黑體" pitchFamily="34" charset="-120"/>
+              <a:ea typeface="微軟正黑體" pitchFamily="34" charset="-120"/>
+            </a:endParaRPr>
+          </a:p>
+        </p:txBody>
+      </p:sp>
+      <p:sp>
+        <p:nvSpPr>
+          <p:cNvPr id="3" name="TextBox 2"/>
+          <p:cNvSpPr txBox="1"/>
+          <p:nvPr/>
+        </p:nvSpPr>
+        <p:spPr>
+          <a:xfrm>
+            <a:off x="0" y="5253205"/>
+            <a:ext cx="12192000" cy="830997"/>
+          </a:xfrm>
+          <a:prstGeom prst="rect">
+            <a:avLst/>
+          </a:prstGeom>
+          <a:noFill/>
+        </p:spPr>
+        <p:txBody>
+          <a:bodyPr wrap="square" rtlCol="0">
+            <a:spAutoFit/>
+          </a:bodyPr>
+          <a:lstStyle/>
+          <a:p>
+            <a:pPr algn="ctr"/>
+            <a:r>
+              <a:rPr lang="en-US" sz="4800" b="1" dirty="0">
+                <a:solidFill>
+                  <a:srgbClr val="000066"/>
+                </a:solidFill>
+              </a:rPr>
+              <a:t>( </a:t>
+            </a:r>
+            <a:r>
+              <a:rPr lang="en-US" sz="4800" b="1" dirty="0">
+                <a:solidFill>
+                  <a:srgbClr val="000066"/>
+                </a:solidFill>
+              </a:rPr>
+              <a:t>2 </a:t>
+            </a:r>
+            <a:r>
+              <a:rPr lang="en-US" sz="4800" b="1" dirty="0">
+                <a:solidFill>
+                  <a:srgbClr val="000066"/>
+                </a:solidFill>
+              </a:rPr>
+              <a:t>)</a:t>
+            </a:r>
+            <a:endParaRPr lang="vi-VN" sz="4800" b="1" dirty="0">
+              <a:solidFill>
+                <a:srgbClr val="000066"/>
+              </a:solidFill>
+            </a:endParaRPr>
+          </a:p>
+        </p:txBody>
+      </p:sp>
+    </p:spTree>
+    <p:extLst>
+      <p:ext uri="{BB962C8B-B14F-4D97-AF65-F5344CB8AC3E}">
+        <p14:creationId xmlns:p14="http://schemas.microsoft.com/office/powerpoint/2010/main" val="2477529111"/>
+      </p:ext>
+    </p:extLst>
+  </p:cSld>
+  <p:clrMapOvr>
+    <a:masterClrMapping/>
+  </p:clrMapOvr>
+  <p:timing>
+    <p:tnLst>
+      <p:par>
+        <p:cTn id="1" dur="indefinite" restart="never" nodeType="tmRoot"/>
+      </p:par>
+    </p:tnLst>
+  </p:timing>
+</p:sld>
+</file>
+
+<file path=ppt/slides/slide6.xml><?xml version="1.0" encoding="utf-8"?>
+<p:sld xmlns:a="http://schemas.openxmlformats.org/drawingml/2006/main" xmlns:r="http://schemas.openxmlformats.org/officeDocument/2006/relationships" xmlns:p="http://schemas.openxmlformats.org/presentationml/2006/main">
+  <p:cSld>
+    <p:spTree>
+      <p:nvGrpSpPr>
+        <p:cNvPr id="1" name=""/>
+        <p:cNvGrpSpPr/>
+        <p:nvPr/>
+      </p:nvGrpSpPr>
+      <p:grpSpPr>
+        <a:xfrm>
+          <a:off x="0" y="0"/>
+          <a:ext cx="0" cy="0"/>
+          <a:chOff x="0" y="0"/>
+          <a:chExt cx="0" cy="0"/>
+        </a:xfrm>
+      </p:grpSpPr>
+      <p:sp>
+        <p:nvSpPr>
+          <p:cNvPr id="5" name="內容版面配置區 4"/>
+          <p:cNvSpPr>
+            <a:spLocks noGrp="1"/>
+          </p:cNvSpPr>
+          <p:nvPr>
+            <p:ph idx="1"/>
+          </p:nvPr>
+        </p:nvSpPr>
+        <p:spPr>
+          <a:xfrm>
+            <a:off x="0" y="2084853"/>
+            <a:ext cx="12192000" cy="2404863"/>
+          </a:xfrm>
+        </p:spPr>
+        <p:txBody>
+          <a:bodyPr anchor="ctr">
+            <a:normAutofit/>
+          </a:bodyPr>
+          <a:lstStyle/>
+          <a:p>
+            <a:pPr lvl="0" algn="ctr">
+              <a:buNone/>
+            </a:pPr>
+            <a:r>
+              <a:rPr lang="zh-TW" altLang="en-US" sz="6400" b="1" dirty="0">
+                <a:solidFill>
+                  <a:srgbClr val="000066"/>
+                </a:solidFill>
+                <a:latin typeface="微軟正黑體" pitchFamily="34" charset="-120"/>
+                <a:ea typeface="微軟正黑體" pitchFamily="34" charset="-120"/>
+              </a:rPr>
+              <a:t>無論死生憂樂  我仍愛我主</a:t>
+            </a:r>
+          </a:p>
+          <a:p>
+            <a:pPr algn="ctr">
+              <a:buNone/>
+            </a:pPr>
+            <a:r>
+              <a:rPr lang="zh-TW" altLang="en-US" sz="6400" b="1" dirty="0">
+                <a:solidFill>
+                  <a:srgbClr val="000066"/>
+                </a:solidFill>
+                <a:latin typeface="微軟正黑體" pitchFamily="34" charset="-120"/>
+                <a:ea typeface="微軟正黑體" pitchFamily="34" charset="-120"/>
+              </a:rPr>
+              <a:t>在世我要時常讚美主耶穌</a:t>
+            </a:r>
+            <a:endParaRPr lang="zh-TW" altLang="en-US" sz="6400" b="1" dirty="0">
+              <a:solidFill>
+                <a:srgbClr val="000066"/>
+              </a:solidFill>
+              <a:latin typeface="微軟正黑體" pitchFamily="34" charset="-120"/>
+              <a:ea typeface="微軟正黑體" pitchFamily="34" charset="-120"/>
+            </a:endParaRPr>
+          </a:p>
+        </p:txBody>
+      </p:sp>
+      <p:sp>
+        <p:nvSpPr>
+          <p:cNvPr id="3" name="TextBox 2"/>
+          <p:cNvSpPr txBox="1"/>
+          <p:nvPr/>
+        </p:nvSpPr>
+        <p:spPr>
+          <a:xfrm>
+            <a:off x="0" y="5253205"/>
+            <a:ext cx="12192000" cy="830997"/>
+          </a:xfrm>
+          <a:prstGeom prst="rect">
+            <a:avLst/>
+          </a:prstGeom>
+          <a:noFill/>
+        </p:spPr>
+        <p:txBody>
+          <a:bodyPr wrap="square" rtlCol="0">
+            <a:spAutoFit/>
+          </a:bodyPr>
+          <a:lstStyle/>
+          <a:p>
+            <a:pPr algn="ctr"/>
+            <a:r>
+              <a:rPr lang="en-US" sz="4800" b="1" dirty="0">
+                <a:solidFill>
+                  <a:srgbClr val="000066"/>
+                </a:solidFill>
+              </a:rPr>
+              <a:t>( </a:t>
+            </a:r>
+            <a:r>
+              <a:rPr lang="en-US" sz="4800" b="1" dirty="0">
+                <a:solidFill>
+                  <a:srgbClr val="000066"/>
+                </a:solidFill>
+              </a:rPr>
+              <a:t>3 </a:t>
+            </a:r>
+            <a:r>
+              <a:rPr lang="en-US" sz="4800" b="1" dirty="0">
+                <a:solidFill>
+                  <a:srgbClr val="000066"/>
+                </a:solidFill>
+              </a:rPr>
+              <a:t>)</a:t>
+            </a:r>
+            <a:endParaRPr lang="vi-VN" sz="4800" b="1" dirty="0">
+              <a:solidFill>
+                <a:srgbClr val="000066"/>
+              </a:solidFill>
+            </a:endParaRPr>
+          </a:p>
+        </p:txBody>
+      </p:sp>
+    </p:spTree>
+    <p:extLst>
+      <p:ext uri="{BB962C8B-B14F-4D97-AF65-F5344CB8AC3E}">
+        <p14:creationId xmlns:p14="http://schemas.microsoft.com/office/powerpoint/2010/main" val="1193602364"/>
+      </p:ext>
+    </p:extLst>
+  </p:cSld>
+  <p:clrMapOvr>
+    <a:masterClrMapping/>
+  </p:clrMapOvr>
+  <p:timing>
+    <p:tnLst>
+      <p:par>
+        <p:cTn id="1" dur="indefinite" restart="never" nodeType="tmRoot"/>
+      </p:par>
+    </p:tnLst>
+  </p:timing>
+</p:sld>
+</file>
+
+<file path=ppt/slides/slide7.xml><?xml version="1.0" encoding="utf-8"?>
+<p:sld xmlns:a="http://schemas.openxmlformats.org/drawingml/2006/main" xmlns:r="http://schemas.openxmlformats.org/officeDocument/2006/relationships" xmlns:p="http://schemas.openxmlformats.org/presentationml/2006/main">
+  <p:cSld>
+    <p:spTree>
+      <p:nvGrpSpPr>
+        <p:cNvPr id="1" name=""/>
+        <p:cNvGrpSpPr/>
+        <p:nvPr/>
+      </p:nvGrpSpPr>
+      <p:grpSpPr>
+        <a:xfrm>
+          <a:off x="0" y="0"/>
+          <a:ext cx="0" cy="0"/>
+          <a:chOff x="0" y="0"/>
+          <a:chExt cx="0" cy="0"/>
+        </a:xfrm>
+      </p:grpSpPr>
+      <p:sp>
+        <p:nvSpPr>
+          <p:cNvPr id="5" name="內容版面配置區 4"/>
+          <p:cNvSpPr>
+            <a:spLocks noGrp="1"/>
+          </p:cNvSpPr>
+          <p:nvPr>
+            <p:ph idx="1"/>
+          </p:nvPr>
+        </p:nvSpPr>
+        <p:spPr>
+          <a:xfrm>
+            <a:off x="0" y="2084853"/>
+            <a:ext cx="12192000" cy="2404863"/>
+          </a:xfrm>
+        </p:spPr>
+        <p:txBody>
+          <a:bodyPr anchor="ctr">
+            <a:normAutofit/>
+          </a:bodyPr>
+          <a:lstStyle/>
+          <a:p>
+            <a:pPr algn="ctr">
+              <a:buNone/>
+            </a:pPr>
+            <a:r>
+              <a:rPr lang="zh-TW" altLang="en-US" sz="6400" b="1" dirty="0">
+                <a:solidFill>
+                  <a:srgbClr val="000066"/>
+                </a:solidFill>
+                <a:latin typeface="微軟正黑體" pitchFamily="34" charset="-120"/>
+                <a:ea typeface="微軟正黑體" pitchFamily="34" charset="-120"/>
+              </a:rPr>
+              <a:t>直到主再臨我必儆醒等待</a:t>
+            </a:r>
+          </a:p>
+          <a:p>
+            <a:pPr algn="ctr">
+              <a:buNone/>
+            </a:pPr>
+            <a:r>
+              <a:rPr lang="zh-TW" altLang="en-US" sz="6400" b="1" dirty="0">
+                <a:solidFill>
+                  <a:srgbClr val="000066"/>
+                </a:solidFill>
+                <a:latin typeface="微軟正黑體" pitchFamily="34" charset="-120"/>
+                <a:ea typeface="微軟正黑體" pitchFamily="34" charset="-120"/>
+              </a:rPr>
+              <a:t>若我曾愛救主  於今更親愛</a:t>
+            </a:r>
+            <a:endParaRPr lang="zh-TW" altLang="en-US" sz="6400" b="1" dirty="0">
+              <a:solidFill>
+                <a:srgbClr val="000066"/>
+              </a:solidFill>
+              <a:latin typeface="微軟正黑體" pitchFamily="34" charset="-120"/>
+              <a:ea typeface="微軟正黑體" pitchFamily="34" charset="-120"/>
+            </a:endParaRPr>
+          </a:p>
+        </p:txBody>
+      </p:sp>
+      <p:sp>
+        <p:nvSpPr>
+          <p:cNvPr id="3" name="TextBox 2"/>
+          <p:cNvSpPr txBox="1"/>
+          <p:nvPr/>
+        </p:nvSpPr>
+        <p:spPr>
+          <a:xfrm>
+            <a:off x="0" y="5253205"/>
+            <a:ext cx="12192000" cy="830997"/>
+          </a:xfrm>
+          <a:prstGeom prst="rect">
+            <a:avLst/>
+          </a:prstGeom>
+          <a:noFill/>
+        </p:spPr>
+        <p:txBody>
+          <a:bodyPr wrap="square" rtlCol="0">
+            <a:spAutoFit/>
+          </a:bodyPr>
+          <a:lstStyle/>
+          <a:p>
+            <a:pPr algn="ctr"/>
+            <a:r>
+              <a:rPr lang="en-US" sz="4800" b="1" dirty="0">
+                <a:solidFill>
+                  <a:srgbClr val="000066"/>
+                </a:solidFill>
+              </a:rPr>
+              <a:t>( </a:t>
+            </a:r>
+            <a:r>
+              <a:rPr lang="en-US" sz="4800" b="1" dirty="0">
+                <a:solidFill>
+                  <a:srgbClr val="000066"/>
+                </a:solidFill>
+              </a:rPr>
+              <a:t>3 </a:t>
+            </a:r>
+            <a:r>
+              <a:rPr lang="en-US" sz="4800" b="1" dirty="0">
+                <a:solidFill>
+                  <a:srgbClr val="000066"/>
+                </a:solidFill>
+              </a:rPr>
+              <a:t>)</a:t>
+            </a:r>
+            <a:endParaRPr lang="vi-VN" sz="4800" b="1" dirty="0">
+              <a:solidFill>
+                <a:srgbClr val="000066"/>
+              </a:solidFill>
+            </a:endParaRPr>
+          </a:p>
+        </p:txBody>
+      </p:sp>
+    </p:spTree>
+    <p:extLst>
+      <p:ext uri="{BB962C8B-B14F-4D97-AF65-F5344CB8AC3E}">
+        <p14:creationId xmlns:p14="http://schemas.microsoft.com/office/powerpoint/2010/main" val="254634148"/>
+      </p:ext>
+    </p:extLst>
+  </p:cSld>
+  <p:clrMapOvr>
+    <a:masterClrMapping/>
+  </p:clrMapOvr>
+  <p:timing>
+    <p:tnLst>
+      <p:par>
+        <p:cTn id="1" dur="indefinite" restart="never" nodeType="tmRoot"/>
+      </p:par>
+    </p:tnLst>
+  </p:timing>
+</p:sld>
+</file>
+
+<file path=ppt/slides/slide8.xml><?xml version="1.0" encoding="utf-8"?>
+<p:sld xmlns:a="http://schemas.openxmlformats.org/drawingml/2006/main" xmlns:r="http://schemas.openxmlformats.org/officeDocument/2006/relationships" xmlns:p="http://schemas.openxmlformats.org/presentationml/2006/main">
+  <p:cSld>
+    <p:spTree>
+      <p:nvGrpSpPr>
+        <p:cNvPr id="1" name=""/>
+        <p:cNvGrpSpPr/>
+        <p:nvPr/>
+      </p:nvGrpSpPr>
+      <p:grpSpPr>
+        <a:xfrm>
+          <a:off x="0" y="0"/>
+          <a:ext cx="0" cy="0"/>
+          <a:chOff x="0" y="0"/>
+          <a:chExt cx="0" cy="0"/>
+        </a:xfrm>
+      </p:grpSpPr>
+      <p:sp>
+        <p:nvSpPr>
+          <p:cNvPr id="5" name="內容版面配置區 4"/>
+          <p:cNvSpPr>
+            <a:spLocks noGrp="1"/>
+          </p:cNvSpPr>
+          <p:nvPr>
+            <p:ph idx="1"/>
+          </p:nvPr>
+        </p:nvSpPr>
+        <p:spPr>
+          <a:xfrm>
+            <a:off x="0" y="2084853"/>
+            <a:ext cx="12192000" cy="2404863"/>
+          </a:xfrm>
+        </p:spPr>
+        <p:txBody>
+          <a:bodyPr anchor="ctr">
+            <a:normAutofit/>
+          </a:bodyPr>
+          <a:lstStyle/>
+          <a:p>
+            <a:pPr lvl="0" algn="ctr">
+              <a:buNone/>
+            </a:pPr>
+            <a:r>
+              <a:rPr lang="zh-TW" altLang="en-US" sz="6400" b="1" dirty="0">
+                <a:solidFill>
+                  <a:srgbClr val="000066"/>
+                </a:solidFill>
+                <a:latin typeface="微軟正黑體" pitchFamily="34" charset="-120"/>
+                <a:ea typeface="微軟正黑體" pitchFamily="34" charset="-120"/>
+              </a:rPr>
+              <a:t>主再來迎接我  永住榮耀中</a:t>
+            </a:r>
+          </a:p>
+          <a:p>
+            <a:pPr algn="ctr">
+              <a:buNone/>
+            </a:pPr>
+            <a:r>
+              <a:rPr lang="zh-TW" altLang="en-US" sz="6400" b="1" dirty="0">
+                <a:solidFill>
+                  <a:srgbClr val="000066"/>
+                </a:solidFill>
+                <a:latin typeface="微軟正黑體" pitchFamily="34" charset="-120"/>
+                <a:ea typeface="微軟正黑體" pitchFamily="34" charset="-120"/>
+              </a:rPr>
+              <a:t>我必時常頌揚救主大恩寵</a:t>
+            </a:r>
+            <a:endParaRPr lang="zh-TW" altLang="en-US" sz="6400" b="1" dirty="0">
+              <a:solidFill>
+                <a:srgbClr val="000066"/>
+              </a:solidFill>
+              <a:latin typeface="微軟正黑體" pitchFamily="34" charset="-120"/>
+              <a:ea typeface="微軟正黑體" pitchFamily="34" charset="-120"/>
+            </a:endParaRPr>
+          </a:p>
+        </p:txBody>
+      </p:sp>
+      <p:sp>
+        <p:nvSpPr>
+          <p:cNvPr id="3" name="TextBox 2"/>
+          <p:cNvSpPr txBox="1"/>
+          <p:nvPr/>
+        </p:nvSpPr>
+        <p:spPr>
+          <a:xfrm>
+            <a:off x="0" y="5253205"/>
+            <a:ext cx="12192000" cy="830997"/>
+          </a:xfrm>
+          <a:prstGeom prst="rect">
+            <a:avLst/>
+          </a:prstGeom>
+          <a:noFill/>
+        </p:spPr>
+        <p:txBody>
+          <a:bodyPr wrap="square" rtlCol="0">
+            <a:spAutoFit/>
+          </a:bodyPr>
+          <a:lstStyle/>
+          <a:p>
+            <a:pPr algn="ctr"/>
+            <a:r>
+              <a:rPr lang="en-US" sz="4800" b="1" dirty="0">
+                <a:solidFill>
+                  <a:srgbClr val="000066"/>
+                </a:solidFill>
+              </a:rPr>
+              <a:t>( </a:t>
+            </a:r>
+            <a:r>
+              <a:rPr lang="en-US" sz="4800" b="1" dirty="0">
+                <a:solidFill>
+                  <a:srgbClr val="000066"/>
+                </a:solidFill>
+              </a:rPr>
+              <a:t>4 </a:t>
+            </a:r>
+            <a:r>
+              <a:rPr lang="en-US" sz="4800" b="1" dirty="0">
+                <a:solidFill>
+                  <a:srgbClr val="000066"/>
+                </a:solidFill>
+              </a:rPr>
+              <a:t>)</a:t>
+            </a:r>
+            <a:endParaRPr lang="vi-VN" sz="4800" b="1" dirty="0">
+              <a:solidFill>
+                <a:srgbClr val="000066"/>
+              </a:solidFill>
+            </a:endParaRPr>
+          </a:p>
+        </p:txBody>
+      </p:sp>
+    </p:spTree>
+    <p:extLst>
+      <p:ext uri="{BB962C8B-B14F-4D97-AF65-F5344CB8AC3E}">
+        <p14:creationId xmlns:p14="http://schemas.microsoft.com/office/powerpoint/2010/main" val="2762468558"/>
+      </p:ext>
+    </p:extLst>
+  </p:cSld>
+  <p:clrMapOvr>
+    <a:masterClrMapping/>
+  </p:clrMapOvr>
+  <p:timing>
+    <p:tnLst>
+      <p:par>
+        <p:cTn id="1" dur="indefinite" restart="never" nodeType="tmRoot"/>
+      </p:par>
+    </p:tnLst>
+  </p:timing>
+</p:sld>
+</file>
+
+<file path=ppt/slides/slide9.xml><?xml version="1.0" encoding="utf-8"?>
+<p:sld xmlns:a="http://schemas.openxmlformats.org/drawingml/2006/main" xmlns:r="http://schemas.openxmlformats.org/officeDocument/2006/relationships" xmlns:p="http://schemas.openxmlformats.org/presentationml/2006/main">
+  <p:cSld>
+    <p:spTree>
+      <p:nvGrpSpPr>
+        <p:cNvPr id="1" name=""/>
+        <p:cNvGrpSpPr/>
+        <p:nvPr/>
+      </p:nvGrpSpPr>
+      <p:grpSpPr>
+        <a:xfrm>
+          <a:off x="0" y="0"/>
+          <a:ext cx="0" cy="0"/>
+          <a:chOff x="0" y="0"/>
+          <a:chExt cx="0" cy="0"/>
+        </a:xfrm>
+      </p:grpSpPr>
+      <p:sp>
+        <p:nvSpPr>
+          <p:cNvPr id="5" name="內容版面配置區 4"/>
+          <p:cNvSpPr>
+            <a:spLocks noGrp="1"/>
+          </p:cNvSpPr>
+          <p:nvPr>
+            <p:ph idx="1"/>
+          </p:nvPr>
+        </p:nvSpPr>
+        <p:spPr>
+          <a:xfrm>
+            <a:off x="0" y="2084853"/>
+            <a:ext cx="12192000" cy="2404863"/>
+          </a:xfrm>
+        </p:spPr>
+        <p:txBody>
+          <a:bodyPr anchor="ctr">
+            <a:normAutofit/>
+          </a:bodyPr>
+          <a:lstStyle/>
+          <a:p>
+            <a:pPr algn="ctr">
+              <a:buNone/>
+            </a:pPr>
+            <a:r>
+              <a:rPr lang="zh-TW" altLang="en-US" sz="6400" b="1" dirty="0">
+                <a:solidFill>
+                  <a:srgbClr val="000066"/>
+                </a:solidFill>
+                <a:latin typeface="微軟正黑體" pitchFamily="34" charset="-120"/>
+                <a:ea typeface="微軟正黑體" pitchFamily="34" charset="-120"/>
+              </a:rPr>
+              <a:t>戴榮耀冠冕賞賜恩乃格外</a:t>
+            </a:r>
+          </a:p>
+          <a:p>
+            <a:pPr algn="ctr">
+              <a:buNone/>
+            </a:pPr>
+            <a:r>
+              <a:rPr lang="zh-TW" altLang="en-US" sz="6400" b="1" dirty="0">
+                <a:solidFill>
+                  <a:srgbClr val="000066"/>
+                </a:solidFill>
+                <a:latin typeface="微軟正黑體" pitchFamily="34" charset="-120"/>
+                <a:ea typeface="微軟正黑體" pitchFamily="34" charset="-120"/>
+              </a:rPr>
+              <a:t>若我曾愛救主  於今更親愛</a:t>
+            </a:r>
+            <a:endParaRPr lang="zh-TW" altLang="en-US" sz="6400" b="1" dirty="0">
+              <a:solidFill>
+                <a:srgbClr val="000066"/>
+              </a:solidFill>
+              <a:latin typeface="微軟正黑體" pitchFamily="34" charset="-120"/>
+              <a:ea typeface="微軟正黑體" pitchFamily="34" charset="-120"/>
+            </a:endParaRPr>
+          </a:p>
+        </p:txBody>
+      </p:sp>
+      <p:sp>
+        <p:nvSpPr>
+          <p:cNvPr id="3" name="TextBox 2"/>
+          <p:cNvSpPr txBox="1"/>
+          <p:nvPr/>
+        </p:nvSpPr>
+        <p:spPr>
+          <a:xfrm>
+            <a:off x="0" y="5253205"/>
+            <a:ext cx="12192000" cy="830997"/>
+          </a:xfrm>
+          <a:prstGeom prst="rect">
+            <a:avLst/>
+          </a:prstGeom>
+          <a:noFill/>
+        </p:spPr>
+        <p:txBody>
+          <a:bodyPr wrap="square" rtlCol="0">
+            <a:spAutoFit/>
+          </a:bodyPr>
+          <a:lstStyle/>
+          <a:p>
+            <a:pPr algn="ctr"/>
+            <a:r>
+              <a:rPr lang="en-US" sz="4800" b="1" dirty="0">
+                <a:solidFill>
+                  <a:srgbClr val="000066"/>
+                </a:solidFill>
+              </a:rPr>
+              <a:t>( </a:t>
+            </a:r>
+            <a:r>
+              <a:rPr lang="en-US" sz="4800" b="1" dirty="0">
+                <a:solidFill>
+                  <a:srgbClr val="000066"/>
+                </a:solidFill>
+              </a:rPr>
+              <a:t>4 </a:t>
+            </a:r>
+            <a:r>
+              <a:rPr lang="en-US" sz="4800" b="1" dirty="0">
+                <a:solidFill>
+                  <a:srgbClr val="000066"/>
+                </a:solidFill>
+              </a:rPr>
+              <a:t>)</a:t>
+            </a:r>
+            <a:endParaRPr lang="vi-VN" sz="4800" b="1" dirty="0">
+              <a:solidFill>
+                <a:srgbClr val="000066"/>
+              </a:solidFill>
+            </a:endParaRPr>
+          </a:p>
+        </p:txBody>
+      </p:sp>
+    </p:spTree>
+    <p:extLst>
+      <p:ext uri="{BB962C8B-B14F-4D97-AF65-F5344CB8AC3E}">
+        <p14:creationId xmlns:p14="http://schemas.microsoft.com/office/powerpoint/2010/main" val="1772934499"/>
+      </p:ext>
+    </p:extLst>
+  </p:cSld>
+  <p:clrMapOvr>
+    <a:masterClrMapping/>
+  </p:clrMapOvr>
+  <p:timing>
+    <p:tnLst>
+      <p:par>
+        <p:cTn id="1" dur="indefinite" restart="never" nodeType="tmRoot"/>
+      </p:par>
+    </p:tnLst>
+  </p:timing>
 </p:sld>
 </file>
 

--- a/宣道詩/(宣道詩212)親愛耶穌.pptx
+++ b/宣道詩/(宣道詩212)親愛耶穌.pptx
@@ -313,7 +313,7 @@
             <a:fld id="{7CE15595-A96D-4CC1-8386-BF68892F9851}" type="datetimeFigureOut">
               <a:rPr lang="zh-TW" altLang="en-US" smtClean="0"/>
               <a:pPr/>
-              <a:t>2021/3/6</a:t>
+              <a:t>2022/3/25</a:t>
             </a:fld>
             <a:endParaRPr lang="zh-TW" altLang="en-US"/>
           </a:p>
@@ -480,7 +480,7 @@
             <a:fld id="{7CE15595-A96D-4CC1-8386-BF68892F9851}" type="datetimeFigureOut">
               <a:rPr lang="zh-TW" altLang="en-US" smtClean="0"/>
               <a:pPr/>
-              <a:t>2021/3/6</a:t>
+              <a:t>2022/3/25</a:t>
             </a:fld>
             <a:endParaRPr lang="zh-TW" altLang="en-US"/>
           </a:p>
@@ -657,7 +657,7 @@
             <a:fld id="{7CE15595-A96D-4CC1-8386-BF68892F9851}" type="datetimeFigureOut">
               <a:rPr lang="zh-TW" altLang="en-US" smtClean="0"/>
               <a:pPr/>
-              <a:t>2021/3/6</a:t>
+              <a:t>2022/3/25</a:t>
             </a:fld>
             <a:endParaRPr lang="zh-TW" altLang="en-US"/>
           </a:p>
@@ -824,7 +824,7 @@
             <a:fld id="{7CE15595-A96D-4CC1-8386-BF68892F9851}" type="datetimeFigureOut">
               <a:rPr lang="zh-TW" altLang="en-US" smtClean="0"/>
               <a:pPr/>
-              <a:t>2021/3/6</a:t>
+              <a:t>2022/3/25</a:t>
             </a:fld>
             <a:endParaRPr lang="zh-TW" altLang="en-US"/>
           </a:p>
@@ -1067,7 +1067,7 @@
             <a:fld id="{7CE15595-A96D-4CC1-8386-BF68892F9851}" type="datetimeFigureOut">
               <a:rPr lang="zh-TW" altLang="en-US" smtClean="0"/>
               <a:pPr/>
-              <a:t>2021/3/6</a:t>
+              <a:t>2022/3/25</a:t>
             </a:fld>
             <a:endParaRPr lang="zh-TW" altLang="en-US"/>
           </a:p>
@@ -1352,7 +1352,7 @@
             <a:fld id="{7CE15595-A96D-4CC1-8386-BF68892F9851}" type="datetimeFigureOut">
               <a:rPr lang="zh-TW" altLang="en-US" smtClean="0"/>
               <a:pPr/>
-              <a:t>2021/3/6</a:t>
+              <a:t>2022/3/25</a:t>
             </a:fld>
             <a:endParaRPr lang="zh-TW" altLang="en-US"/>
           </a:p>
@@ -1771,7 +1771,7 @@
             <a:fld id="{7CE15595-A96D-4CC1-8386-BF68892F9851}" type="datetimeFigureOut">
               <a:rPr lang="zh-TW" altLang="en-US" smtClean="0"/>
               <a:pPr/>
-              <a:t>2021/3/6</a:t>
+              <a:t>2022/3/25</a:t>
             </a:fld>
             <a:endParaRPr lang="zh-TW" altLang="en-US"/>
           </a:p>
@@ -1886,7 +1886,7 @@
             <a:fld id="{7CE15595-A96D-4CC1-8386-BF68892F9851}" type="datetimeFigureOut">
               <a:rPr lang="zh-TW" altLang="en-US" smtClean="0"/>
               <a:pPr/>
-              <a:t>2021/3/6</a:t>
+              <a:t>2022/3/25</a:t>
             </a:fld>
             <a:endParaRPr lang="zh-TW" altLang="en-US"/>
           </a:p>
@@ -1978,7 +1978,7 @@
             <a:fld id="{7CE15595-A96D-4CC1-8386-BF68892F9851}" type="datetimeFigureOut">
               <a:rPr lang="zh-TW" altLang="en-US" smtClean="0"/>
               <a:pPr/>
-              <a:t>2021/3/6</a:t>
+              <a:t>2022/3/25</a:t>
             </a:fld>
             <a:endParaRPr lang="zh-TW" altLang="en-US"/>
           </a:p>
@@ -2252,7 +2252,7 @@
             <a:fld id="{7CE15595-A96D-4CC1-8386-BF68892F9851}" type="datetimeFigureOut">
               <a:rPr lang="zh-TW" altLang="en-US" smtClean="0"/>
               <a:pPr/>
-              <a:t>2021/3/6</a:t>
+              <a:t>2022/3/25</a:t>
             </a:fld>
             <a:endParaRPr lang="zh-TW" altLang="en-US"/>
           </a:p>
@@ -2506,7 +2506,7 @@
             <a:fld id="{7CE15595-A96D-4CC1-8386-BF68892F9851}" type="datetimeFigureOut">
               <a:rPr lang="zh-TW" altLang="en-US" smtClean="0"/>
               <a:pPr/>
-              <a:t>2021/3/6</a:t>
+              <a:t>2022/3/25</a:t>
             </a:fld>
             <a:endParaRPr lang="zh-TW" altLang="en-US"/>
           </a:p>
@@ -2721,7 +2721,7 @@
             <a:fld id="{7CE15595-A96D-4CC1-8386-BF68892F9851}" type="datetimeFigureOut">
               <a:rPr lang="zh-TW" altLang="en-US" smtClean="0"/>
               <a:pPr/>
-              <a:t>2021/3/6</a:t>
+              <a:t>2022/3/25</a:t>
             </a:fld>
             <a:endParaRPr lang="zh-TW" altLang="en-US"/>
           </a:p>
@@ -3196,24 +3196,7 @@
                 <a:latin typeface="微軟正黑體" pitchFamily="34" charset="-120"/>
                 <a:ea typeface="微軟正黑體" pitchFamily="34" charset="-120"/>
               </a:rPr>
-              <a:t>親</a:t>
-            </a:r>
-            <a:r>
-              <a:rPr lang="zh-TW" altLang="en-US" sz="8000" b="1" dirty="0">
-                <a:solidFill>
-                  <a:srgbClr val="000066"/>
-                </a:solidFill>
-                <a:effectLst>
-                  <a:outerShdw blurRad="38100" dist="38100" dir="2700000" algn="tl">
-                    <a:srgbClr val="000000">
-                      <a:alpha val="43137"/>
-                    </a:srgbClr>
-                  </a:outerShdw>
-                </a:effectLst>
-                <a:latin typeface="微軟正黑體" pitchFamily="34" charset="-120"/>
-                <a:ea typeface="微軟正黑體" pitchFamily="34" charset="-120"/>
-              </a:rPr>
-              <a:t>愛耶穌</a:t>
+              <a:t>親愛耶穌</a:t>
             </a:r>
           </a:p>
         </p:txBody>
@@ -3362,13 +3345,6 @@
               </a:rPr>
               <a:t>全丟棄</a:t>
             </a:r>
-            <a:endParaRPr lang="zh-TW" altLang="en-US" sz="6400" b="1" dirty="0">
-              <a:solidFill>
-                <a:srgbClr val="000066"/>
-              </a:solidFill>
-              <a:latin typeface="微軟正黑體" pitchFamily="34" charset="-120"/>
-              <a:ea typeface="微軟正黑體" pitchFamily="34" charset="-120"/>
-            </a:endParaRPr>
           </a:p>
         </p:txBody>
       </p:sp>
@@ -3404,12 +3380,12 @@
               <a:t>( </a:t>
             </a:r>
             <a:r>
-              <a:rPr lang="en-US" sz="4800" b="1" dirty="0">
+              <a:rPr lang="en-US" sz="4800" b="1" dirty="0" smtClean="0">
                 <a:solidFill>
                   <a:srgbClr val="000066"/>
                 </a:solidFill>
               </a:rPr>
-              <a:t>1 </a:t>
+              <a:t>1 - 4 </a:t>
             </a:r>
             <a:r>
               <a:rPr lang="en-US" sz="4800" b="1" dirty="0">
@@ -3524,13 +3500,6 @@
               </a:rPr>
               <a:t>若我曾愛救主  於今更親愛</a:t>
             </a:r>
-            <a:endParaRPr lang="zh-TW" altLang="en-US" sz="6400" b="1" dirty="0">
-              <a:solidFill>
-                <a:srgbClr val="000066"/>
-              </a:solidFill>
-              <a:latin typeface="微軟正黑體" pitchFamily="34" charset="-120"/>
-              <a:ea typeface="微軟正黑體" pitchFamily="34" charset="-120"/>
-            </a:endParaRPr>
           </a:p>
         </p:txBody>
       </p:sp>
@@ -3563,23 +3532,7 @@
                   <a:srgbClr val="000066"/>
                 </a:solidFill>
               </a:rPr>
-              <a:t>( </a:t>
-            </a:r>
-            <a:r>
-              <a:rPr lang="en-US" sz="4800" b="1" dirty="0">
-                <a:solidFill>
-                  <a:srgbClr val="000066"/>
-                </a:solidFill>
-              </a:rPr>
-              <a:t>1 </a:t>
-            </a:r>
-            <a:r>
-              <a:rPr lang="en-US" sz="4800" b="1" dirty="0">
-                <a:solidFill>
-                  <a:srgbClr val="000066"/>
-                </a:solidFill>
-              </a:rPr>
-              <a:t>)</a:t>
+              <a:t>( 1 - 4 )</a:t>
             </a:r>
             <a:endParaRPr lang="vi-VN" sz="4800" b="1" dirty="0">
               <a:solidFill>
@@ -3676,13 +3629,6 @@
               </a:rPr>
               <a:t>在十架替我死赦免眾罪過</a:t>
             </a:r>
-            <a:endParaRPr lang="zh-TW" altLang="en-US" sz="6400" b="1" dirty="0">
-              <a:solidFill>
-                <a:srgbClr val="000066"/>
-              </a:solidFill>
-              <a:latin typeface="微軟正黑體" pitchFamily="34" charset="-120"/>
-              <a:ea typeface="微軟正黑體" pitchFamily="34" charset="-120"/>
-            </a:endParaRPr>
           </a:p>
         </p:txBody>
       </p:sp>
@@ -3718,7 +3664,7 @@
               <a:t>( </a:t>
             </a:r>
             <a:r>
-              <a:rPr lang="en-US" sz="4800" b="1" dirty="0">
+              <a:rPr lang="en-US" sz="4800" b="1" dirty="0" smtClean="0">
                 <a:solidFill>
                   <a:srgbClr val="000066"/>
                 </a:solidFill>
@@ -3731,7 +3677,7 @@
                   <a:srgbClr val="000066"/>
                 </a:solidFill>
               </a:rPr>
-              <a:t>)</a:t>
+              <a:t>- 4 )</a:t>
             </a:r>
             <a:endParaRPr lang="vi-VN" sz="4800" b="1" dirty="0">
               <a:solidFill>
@@ -3828,13 +3774,6 @@
               </a:rPr>
               <a:t>若我曾愛救主  於今更親愛</a:t>
             </a:r>
-            <a:endParaRPr lang="zh-TW" altLang="en-US" sz="6400" b="1" dirty="0">
-              <a:solidFill>
-                <a:srgbClr val="000066"/>
-              </a:solidFill>
-              <a:latin typeface="微軟正黑體" pitchFamily="34" charset="-120"/>
-              <a:ea typeface="微軟正黑體" pitchFamily="34" charset="-120"/>
-            </a:endParaRPr>
           </a:p>
         </p:txBody>
       </p:sp>
@@ -3867,23 +3806,7 @@
                   <a:srgbClr val="000066"/>
                 </a:solidFill>
               </a:rPr>
-              <a:t>( </a:t>
-            </a:r>
-            <a:r>
-              <a:rPr lang="en-US" sz="4800" b="1" dirty="0">
-                <a:solidFill>
-                  <a:srgbClr val="000066"/>
-                </a:solidFill>
-              </a:rPr>
-              <a:t>2 </a:t>
-            </a:r>
-            <a:r>
-              <a:rPr lang="en-US" sz="4800" b="1" dirty="0">
-                <a:solidFill>
-                  <a:srgbClr val="000066"/>
-                </a:solidFill>
-              </a:rPr>
-              <a:t>)</a:t>
+              <a:t>( 2 - 4 )</a:t>
             </a:r>
             <a:endParaRPr lang="vi-VN" sz="4800" b="1" dirty="0">
               <a:solidFill>
@@ -3980,13 +3903,6 @@
               </a:rPr>
               <a:t>在世我要時常讚美主耶穌</a:t>
             </a:r>
-            <a:endParaRPr lang="zh-TW" altLang="en-US" sz="6400" b="1" dirty="0">
-              <a:solidFill>
-                <a:srgbClr val="000066"/>
-              </a:solidFill>
-              <a:latin typeface="微軟正黑體" pitchFamily="34" charset="-120"/>
-              <a:ea typeface="微軟正黑體" pitchFamily="34" charset="-120"/>
-            </a:endParaRPr>
           </a:p>
         </p:txBody>
       </p:sp>
@@ -4022,7 +3938,7 @@
               <a:t>( </a:t>
             </a:r>
             <a:r>
-              <a:rPr lang="en-US" sz="4800" b="1" dirty="0">
+              <a:rPr lang="en-US" sz="4800" b="1" dirty="0" smtClean="0">
                 <a:solidFill>
                   <a:srgbClr val="000066"/>
                 </a:solidFill>
@@ -4035,7 +3951,7 @@
                   <a:srgbClr val="000066"/>
                 </a:solidFill>
               </a:rPr>
-              <a:t>)</a:t>
+              <a:t>- 4 )</a:t>
             </a:r>
             <a:endParaRPr lang="vi-VN" sz="4800" b="1" dirty="0">
               <a:solidFill>
@@ -4132,13 +4048,6 @@
               </a:rPr>
               <a:t>若我曾愛救主  於今更親愛</a:t>
             </a:r>
-            <a:endParaRPr lang="zh-TW" altLang="en-US" sz="6400" b="1" dirty="0">
-              <a:solidFill>
-                <a:srgbClr val="000066"/>
-              </a:solidFill>
-              <a:latin typeface="微軟正黑體" pitchFamily="34" charset="-120"/>
-              <a:ea typeface="微軟正黑體" pitchFamily="34" charset="-120"/>
-            </a:endParaRPr>
           </a:p>
         </p:txBody>
       </p:sp>
@@ -4171,23 +4080,7 @@
                   <a:srgbClr val="000066"/>
                 </a:solidFill>
               </a:rPr>
-              <a:t>( </a:t>
-            </a:r>
-            <a:r>
-              <a:rPr lang="en-US" sz="4800" b="1" dirty="0">
-                <a:solidFill>
-                  <a:srgbClr val="000066"/>
-                </a:solidFill>
-              </a:rPr>
-              <a:t>3 </a:t>
-            </a:r>
-            <a:r>
-              <a:rPr lang="en-US" sz="4800" b="1" dirty="0">
-                <a:solidFill>
-                  <a:srgbClr val="000066"/>
-                </a:solidFill>
-              </a:rPr>
-              <a:t>)</a:t>
+              <a:t>( 3 - 4 )</a:t>
             </a:r>
             <a:endParaRPr lang="vi-VN" sz="4800" b="1" dirty="0">
               <a:solidFill>
@@ -4284,13 +4177,6 @@
               </a:rPr>
               <a:t>我必時常頌揚救主大恩寵</a:t>
             </a:r>
-            <a:endParaRPr lang="zh-TW" altLang="en-US" sz="6400" b="1" dirty="0">
-              <a:solidFill>
-                <a:srgbClr val="000066"/>
-              </a:solidFill>
-              <a:latin typeface="微軟正黑體" pitchFamily="34" charset="-120"/>
-              <a:ea typeface="微軟正黑體" pitchFamily="34" charset="-120"/>
-            </a:endParaRPr>
           </a:p>
         </p:txBody>
       </p:sp>
@@ -4326,7 +4212,7 @@
               <a:t>( </a:t>
             </a:r>
             <a:r>
-              <a:rPr lang="en-US" sz="4800" b="1" dirty="0">
+              <a:rPr lang="en-US" sz="4800" b="1" dirty="0" smtClean="0">
                 <a:solidFill>
                   <a:srgbClr val="000066"/>
                 </a:solidFill>
@@ -4339,7 +4225,7 @@
                   <a:srgbClr val="000066"/>
                 </a:solidFill>
               </a:rPr>
-              <a:t>)</a:t>
+              <a:t>- 4 )</a:t>
             </a:r>
             <a:endParaRPr lang="vi-VN" sz="4800" b="1" dirty="0">
               <a:solidFill>
@@ -4436,13 +4322,6 @@
               </a:rPr>
               <a:t>若我曾愛救主  於今更親愛</a:t>
             </a:r>
-            <a:endParaRPr lang="zh-TW" altLang="en-US" sz="6400" b="1" dirty="0">
-              <a:solidFill>
-                <a:srgbClr val="000066"/>
-              </a:solidFill>
-              <a:latin typeface="微軟正黑體" pitchFamily="34" charset="-120"/>
-              <a:ea typeface="微軟正黑體" pitchFamily="34" charset="-120"/>
-            </a:endParaRPr>
           </a:p>
         </p:txBody>
       </p:sp>
@@ -4470,28 +4349,12 @@
           <a:p>
             <a:pPr algn="ctr"/>
             <a:r>
-              <a:rPr lang="en-US" sz="4800" b="1" dirty="0">
+              <a:rPr lang="en-US" sz="4800" b="1">
                 <a:solidFill>
                   <a:srgbClr val="000066"/>
                 </a:solidFill>
               </a:rPr>
-              <a:t>( </a:t>
-            </a:r>
-            <a:r>
-              <a:rPr lang="en-US" sz="4800" b="1" dirty="0">
-                <a:solidFill>
-                  <a:srgbClr val="000066"/>
-                </a:solidFill>
-              </a:rPr>
-              <a:t>4 </a:t>
-            </a:r>
-            <a:r>
-              <a:rPr lang="en-US" sz="4800" b="1" dirty="0">
-                <a:solidFill>
-                  <a:srgbClr val="000066"/>
-                </a:solidFill>
-              </a:rPr>
-              <a:t>)</a:t>
+              <a:t>( 4 - 4 )</a:t>
             </a:r>
             <a:endParaRPr lang="vi-VN" sz="4800" b="1" dirty="0">
               <a:solidFill>

--- a/宣道詩/(宣道詩212)親愛耶穌.pptx
+++ b/宣道詩/(宣道詩212)親愛耶穌.pptx
@@ -313,7 +313,7 @@
             <a:fld id="{7CE15595-A96D-4CC1-8386-BF68892F9851}" type="datetimeFigureOut">
               <a:rPr lang="zh-TW" altLang="en-US" smtClean="0"/>
               <a:pPr/>
-              <a:t>2022/3/25</a:t>
+              <a:t>2023/2/4</a:t>
             </a:fld>
             <a:endParaRPr lang="zh-TW" altLang="en-US"/>
           </a:p>
@@ -480,7 +480,7 @@
             <a:fld id="{7CE15595-A96D-4CC1-8386-BF68892F9851}" type="datetimeFigureOut">
               <a:rPr lang="zh-TW" altLang="en-US" smtClean="0"/>
               <a:pPr/>
-              <a:t>2022/3/25</a:t>
+              <a:t>2023/2/4</a:t>
             </a:fld>
             <a:endParaRPr lang="zh-TW" altLang="en-US"/>
           </a:p>
@@ -657,7 +657,7 @@
             <a:fld id="{7CE15595-A96D-4CC1-8386-BF68892F9851}" type="datetimeFigureOut">
               <a:rPr lang="zh-TW" altLang="en-US" smtClean="0"/>
               <a:pPr/>
-              <a:t>2022/3/25</a:t>
+              <a:t>2023/2/4</a:t>
             </a:fld>
             <a:endParaRPr lang="zh-TW" altLang="en-US"/>
           </a:p>
@@ -824,7 +824,7 @@
             <a:fld id="{7CE15595-A96D-4CC1-8386-BF68892F9851}" type="datetimeFigureOut">
               <a:rPr lang="zh-TW" altLang="en-US" smtClean="0"/>
               <a:pPr/>
-              <a:t>2022/3/25</a:t>
+              <a:t>2023/2/4</a:t>
             </a:fld>
             <a:endParaRPr lang="zh-TW" altLang="en-US"/>
           </a:p>
@@ -1067,7 +1067,7 @@
             <a:fld id="{7CE15595-A96D-4CC1-8386-BF68892F9851}" type="datetimeFigureOut">
               <a:rPr lang="zh-TW" altLang="en-US" smtClean="0"/>
               <a:pPr/>
-              <a:t>2022/3/25</a:t>
+              <a:t>2023/2/4</a:t>
             </a:fld>
             <a:endParaRPr lang="zh-TW" altLang="en-US"/>
           </a:p>
@@ -1352,7 +1352,7 @@
             <a:fld id="{7CE15595-A96D-4CC1-8386-BF68892F9851}" type="datetimeFigureOut">
               <a:rPr lang="zh-TW" altLang="en-US" smtClean="0"/>
               <a:pPr/>
-              <a:t>2022/3/25</a:t>
+              <a:t>2023/2/4</a:t>
             </a:fld>
             <a:endParaRPr lang="zh-TW" altLang="en-US"/>
           </a:p>
@@ -1771,7 +1771,7 @@
             <a:fld id="{7CE15595-A96D-4CC1-8386-BF68892F9851}" type="datetimeFigureOut">
               <a:rPr lang="zh-TW" altLang="en-US" smtClean="0"/>
               <a:pPr/>
-              <a:t>2022/3/25</a:t>
+              <a:t>2023/2/4</a:t>
             </a:fld>
             <a:endParaRPr lang="zh-TW" altLang="en-US"/>
           </a:p>
@@ -1886,7 +1886,7 @@
             <a:fld id="{7CE15595-A96D-4CC1-8386-BF68892F9851}" type="datetimeFigureOut">
               <a:rPr lang="zh-TW" altLang="en-US" smtClean="0"/>
               <a:pPr/>
-              <a:t>2022/3/25</a:t>
+              <a:t>2023/2/4</a:t>
             </a:fld>
             <a:endParaRPr lang="zh-TW" altLang="en-US"/>
           </a:p>
@@ -1978,7 +1978,7 @@
             <a:fld id="{7CE15595-A96D-4CC1-8386-BF68892F9851}" type="datetimeFigureOut">
               <a:rPr lang="zh-TW" altLang="en-US" smtClean="0"/>
               <a:pPr/>
-              <a:t>2022/3/25</a:t>
+              <a:t>2023/2/4</a:t>
             </a:fld>
             <a:endParaRPr lang="zh-TW" altLang="en-US"/>
           </a:p>
@@ -2252,7 +2252,7 @@
             <a:fld id="{7CE15595-A96D-4CC1-8386-BF68892F9851}" type="datetimeFigureOut">
               <a:rPr lang="zh-TW" altLang="en-US" smtClean="0"/>
               <a:pPr/>
-              <a:t>2022/3/25</a:t>
+              <a:t>2023/2/4</a:t>
             </a:fld>
             <a:endParaRPr lang="zh-TW" altLang="en-US"/>
           </a:p>
@@ -2506,7 +2506,7 @@
             <a:fld id="{7CE15595-A96D-4CC1-8386-BF68892F9851}" type="datetimeFigureOut">
               <a:rPr lang="zh-TW" altLang="en-US" smtClean="0"/>
               <a:pPr/>
-              <a:t>2022/3/25</a:t>
+              <a:t>2023/2/4</a:t>
             </a:fld>
             <a:endParaRPr lang="zh-TW" altLang="en-US"/>
           </a:p>
@@ -2721,7 +2721,7 @@
             <a:fld id="{7CE15595-A96D-4CC1-8386-BF68892F9851}" type="datetimeFigureOut">
               <a:rPr lang="zh-TW" altLang="en-US" smtClean="0"/>
               <a:pPr/>
-              <a:t>2022/3/25</a:t>
+              <a:t>2023/2/4</a:t>
             </a:fld>
             <a:endParaRPr lang="zh-TW" altLang="en-US"/>
           </a:p>
@@ -3357,7 +3357,7 @@
         <p:spPr>
           <a:xfrm>
             <a:off x="0" y="5253205"/>
-            <a:ext cx="12192000" cy="830997"/>
+            <a:ext cx="12192000" cy="646331"/>
           </a:xfrm>
           <a:prstGeom prst="rect">
             <a:avLst/>
@@ -3372,7 +3372,7 @@
           <a:p>
             <a:pPr algn="ctr"/>
             <a:r>
-              <a:rPr lang="en-US" sz="4800" b="1" dirty="0">
+              <a:rPr lang="en-US" sz="3600" b="1" dirty="0">
                 <a:solidFill>
                   <a:srgbClr val="000066"/>
                 </a:solidFill>
@@ -3380,22 +3380,38 @@
               <a:t>( </a:t>
             </a:r>
             <a:r>
-              <a:rPr lang="en-US" sz="4800" b="1" dirty="0" smtClean="0">
+              <a:rPr lang="en-US" sz="3600" b="1" dirty="0" smtClean="0">
                 <a:solidFill>
                   <a:srgbClr val="000066"/>
                 </a:solidFill>
               </a:rPr>
-              <a:t>1 - 4 </a:t>
-            </a:r>
-            <a:r>
-              <a:rPr lang="en-US" sz="4800" b="1" dirty="0">
+              <a:t>1 </a:t>
+            </a:r>
+            <a:r>
+              <a:rPr lang="en-US" sz="3600" b="1" dirty="0" smtClean="0">
+                <a:solidFill>
+                  <a:srgbClr val="000066"/>
+                </a:solidFill>
+              </a:rPr>
+              <a:t>/ </a:t>
+            </a:r>
+            <a:r>
+              <a:rPr lang="en-US" sz="3600" b="1" dirty="0" smtClean="0">
+                <a:solidFill>
+                  <a:srgbClr val="000066"/>
+                </a:solidFill>
+              </a:rPr>
+              <a:t>4 </a:t>
+            </a:r>
+            <a:r>
+              <a:rPr lang="en-US" sz="3600" b="1" dirty="0">
                 <a:solidFill>
                   <a:srgbClr val="000066"/>
                 </a:solidFill>
               </a:rPr>
               <a:t>)</a:t>
             </a:r>
-            <a:endParaRPr lang="vi-VN" sz="4800" b="1" dirty="0">
+            <a:endParaRPr lang="vi-VN" sz="3600" b="1" dirty="0">
               <a:solidFill>
                 <a:srgbClr val="000066"/>
               </a:solidFill>
@@ -3512,7 +3528,7 @@
         <p:spPr>
           <a:xfrm>
             <a:off x="0" y="5253205"/>
-            <a:ext cx="12192000" cy="830997"/>
+            <a:ext cx="12192000" cy="646331"/>
           </a:xfrm>
           <a:prstGeom prst="rect">
             <a:avLst/>
@@ -3527,14 +3543,14 @@
           <a:p>
             <a:pPr algn="ctr"/>
             <a:r>
-              <a:rPr lang="en-US" sz="4800" b="1" dirty="0">
+              <a:rPr lang="en-US" sz="3600" b="1" dirty="0">
                 <a:solidFill>
                   <a:srgbClr val="000066"/>
                 </a:solidFill>
               </a:rPr>
-              <a:t>( 1 - 4 )</a:t>
-            </a:r>
-            <a:endParaRPr lang="vi-VN" sz="4800" b="1" dirty="0">
+              <a:t>( 1 / 4 )</a:t>
+            </a:r>
+            <a:endParaRPr lang="vi-VN" sz="3600" b="1" dirty="0">
               <a:solidFill>
                 <a:srgbClr val="000066"/>
               </a:solidFill>
@@ -3641,7 +3657,7 @@
         <p:spPr>
           <a:xfrm>
             <a:off x="0" y="5253205"/>
-            <a:ext cx="12192000" cy="830997"/>
+            <a:ext cx="12192000" cy="646331"/>
           </a:xfrm>
           <a:prstGeom prst="rect">
             <a:avLst/>
@@ -3656,7 +3672,7 @@
           <a:p>
             <a:pPr algn="ctr"/>
             <a:r>
-              <a:rPr lang="en-US" sz="4800" b="1" dirty="0">
+              <a:rPr lang="en-US" sz="3600" b="1" dirty="0">
                 <a:solidFill>
                   <a:srgbClr val="000066"/>
                 </a:solidFill>
@@ -3664,7 +3680,7 @@
               <a:t>( </a:t>
             </a:r>
             <a:r>
-              <a:rPr lang="en-US" sz="4800" b="1" dirty="0" smtClean="0">
+              <a:rPr lang="en-US" sz="3600" b="1" dirty="0">
                 <a:solidFill>
                   <a:srgbClr val="000066"/>
                 </a:solidFill>
@@ -3672,14 +3688,14 @@
               <a:t>2 </a:t>
             </a:r>
             <a:r>
-              <a:rPr lang="en-US" sz="4800" b="1" dirty="0">
+              <a:rPr lang="en-US" sz="3600" b="1" dirty="0">
                 <a:solidFill>
                   <a:srgbClr val="000066"/>
                 </a:solidFill>
               </a:rPr>
-              <a:t>- 4 )</a:t>
-            </a:r>
-            <a:endParaRPr lang="vi-VN" sz="4800" b="1" dirty="0">
+              <a:t>/ 4 )</a:t>
+            </a:r>
+            <a:endParaRPr lang="vi-VN" sz="3600" b="1" dirty="0">
               <a:solidFill>
                 <a:srgbClr val="000066"/>
               </a:solidFill>
@@ -3786,7 +3802,7 @@
         <p:spPr>
           <a:xfrm>
             <a:off x="0" y="5253205"/>
-            <a:ext cx="12192000" cy="830997"/>
+            <a:ext cx="12192000" cy="646331"/>
           </a:xfrm>
           <a:prstGeom prst="rect">
             <a:avLst/>
@@ -3801,14 +3817,14 @@
           <a:p>
             <a:pPr algn="ctr"/>
             <a:r>
-              <a:rPr lang="en-US" sz="4800" b="1" dirty="0">
+              <a:rPr lang="en-US" sz="3600" b="1" dirty="0">
                 <a:solidFill>
                   <a:srgbClr val="000066"/>
                 </a:solidFill>
               </a:rPr>
-              <a:t>( 2 - 4 )</a:t>
-            </a:r>
-            <a:endParaRPr lang="vi-VN" sz="4800" b="1" dirty="0">
+              <a:t>( 2 / 4 )</a:t>
+            </a:r>
+            <a:endParaRPr lang="vi-VN" sz="3600" b="1" dirty="0">
               <a:solidFill>
                 <a:srgbClr val="000066"/>
               </a:solidFill>
@@ -3915,7 +3931,7 @@
         <p:spPr>
           <a:xfrm>
             <a:off x="0" y="5253205"/>
-            <a:ext cx="12192000" cy="830997"/>
+            <a:ext cx="12192000" cy="646331"/>
           </a:xfrm>
           <a:prstGeom prst="rect">
             <a:avLst/>
@@ -3930,7 +3946,7 @@
           <a:p>
             <a:pPr algn="ctr"/>
             <a:r>
-              <a:rPr lang="en-US" sz="4800" b="1" dirty="0">
+              <a:rPr lang="en-US" sz="3600" b="1" dirty="0">
                 <a:solidFill>
                   <a:srgbClr val="000066"/>
                 </a:solidFill>
@@ -3938,7 +3954,7 @@
               <a:t>( </a:t>
             </a:r>
             <a:r>
-              <a:rPr lang="en-US" sz="4800" b="1" dirty="0" smtClean="0">
+              <a:rPr lang="en-US" sz="3600" b="1" dirty="0">
                 <a:solidFill>
                   <a:srgbClr val="000066"/>
                 </a:solidFill>
@@ -3946,14 +3962,14 @@
               <a:t>3 </a:t>
             </a:r>
             <a:r>
-              <a:rPr lang="en-US" sz="4800" b="1" dirty="0">
+              <a:rPr lang="en-US" sz="3600" b="1" dirty="0">
                 <a:solidFill>
                   <a:srgbClr val="000066"/>
                 </a:solidFill>
               </a:rPr>
-              <a:t>- 4 )</a:t>
-            </a:r>
-            <a:endParaRPr lang="vi-VN" sz="4800" b="1" dirty="0">
+              <a:t>/ 4 )</a:t>
+            </a:r>
+            <a:endParaRPr lang="vi-VN" sz="3600" b="1" dirty="0">
               <a:solidFill>
                 <a:srgbClr val="000066"/>
               </a:solidFill>
@@ -4060,7 +4076,7 @@
         <p:spPr>
           <a:xfrm>
             <a:off x="0" y="5253205"/>
-            <a:ext cx="12192000" cy="830997"/>
+            <a:ext cx="12192000" cy="646331"/>
           </a:xfrm>
           <a:prstGeom prst="rect">
             <a:avLst/>
@@ -4075,14 +4091,14 @@
           <a:p>
             <a:pPr algn="ctr"/>
             <a:r>
-              <a:rPr lang="en-US" sz="4800" b="1" dirty="0">
+              <a:rPr lang="en-US" sz="3600" b="1" dirty="0">
                 <a:solidFill>
                   <a:srgbClr val="000066"/>
                 </a:solidFill>
               </a:rPr>
-              <a:t>( 3 - 4 )</a:t>
-            </a:r>
-            <a:endParaRPr lang="vi-VN" sz="4800" b="1" dirty="0">
+              <a:t>( 3 / 4 )</a:t>
+            </a:r>
+            <a:endParaRPr lang="vi-VN" sz="3600" b="1" dirty="0">
               <a:solidFill>
                 <a:srgbClr val="000066"/>
               </a:solidFill>
@@ -4189,7 +4205,7 @@
         <p:spPr>
           <a:xfrm>
             <a:off x="0" y="5253205"/>
-            <a:ext cx="12192000" cy="830997"/>
+            <a:ext cx="12192000" cy="646331"/>
           </a:xfrm>
           <a:prstGeom prst="rect">
             <a:avLst/>
@@ -4204,7 +4220,7 @@
           <a:p>
             <a:pPr algn="ctr"/>
             <a:r>
-              <a:rPr lang="en-US" sz="4800" b="1" dirty="0">
+              <a:rPr lang="en-US" sz="3600" b="1" dirty="0">
                 <a:solidFill>
                   <a:srgbClr val="000066"/>
                 </a:solidFill>
@@ -4212,7 +4228,7 @@
               <a:t>( </a:t>
             </a:r>
             <a:r>
-              <a:rPr lang="en-US" sz="4800" b="1" dirty="0" smtClean="0">
+              <a:rPr lang="en-US" sz="3600" b="1" dirty="0">
                 <a:solidFill>
                   <a:srgbClr val="000066"/>
                 </a:solidFill>
@@ -4220,14 +4236,14 @@
               <a:t>4 </a:t>
             </a:r>
             <a:r>
-              <a:rPr lang="en-US" sz="4800" b="1" dirty="0">
+              <a:rPr lang="en-US" sz="3600" b="1" dirty="0">
                 <a:solidFill>
                   <a:srgbClr val="000066"/>
                 </a:solidFill>
               </a:rPr>
-              <a:t>- 4 )</a:t>
-            </a:r>
-            <a:endParaRPr lang="vi-VN" sz="4800" b="1" dirty="0">
+              <a:t>/ 4 )</a:t>
+            </a:r>
+            <a:endParaRPr lang="vi-VN" sz="3600" b="1" dirty="0">
               <a:solidFill>
                 <a:srgbClr val="000066"/>
               </a:solidFill>
@@ -4334,7 +4350,7 @@
         <p:spPr>
           <a:xfrm>
             <a:off x="0" y="5253205"/>
-            <a:ext cx="12192000" cy="830997"/>
+            <a:ext cx="12192000" cy="646331"/>
           </a:xfrm>
           <a:prstGeom prst="rect">
             <a:avLst/>
@@ -4349,14 +4365,14 @@
           <a:p>
             <a:pPr algn="ctr"/>
             <a:r>
-              <a:rPr lang="en-US" sz="4800" b="1">
+              <a:rPr lang="en-US" sz="3600" b="1" dirty="0">
                 <a:solidFill>
                   <a:srgbClr val="000066"/>
                 </a:solidFill>
               </a:rPr>
-              <a:t>( 4 - 4 )</a:t>
-            </a:r>
-            <a:endParaRPr lang="vi-VN" sz="4800" b="1" dirty="0">
+              <a:t>( 4 / 4 )</a:t>
+            </a:r>
+            <a:endParaRPr lang="vi-VN" sz="3600" b="1" dirty="0">
               <a:solidFill>
                 <a:srgbClr val="000066"/>
               </a:solidFill>

--- a/宣道詩/(宣道詩212)親愛耶穌.pptx
+++ b/宣道詩/(宣道詩212)親愛耶穌.pptx
@@ -313,7 +313,7 @@
             <a:fld id="{7CE15595-A96D-4CC1-8386-BF68892F9851}" type="datetimeFigureOut">
               <a:rPr lang="zh-TW" altLang="en-US" smtClean="0"/>
               <a:pPr/>
-              <a:t>2023/2/4</a:t>
+              <a:t>2023/4/1</a:t>
             </a:fld>
             <a:endParaRPr lang="zh-TW" altLang="en-US"/>
           </a:p>
@@ -480,7 +480,7 @@
             <a:fld id="{7CE15595-A96D-4CC1-8386-BF68892F9851}" type="datetimeFigureOut">
               <a:rPr lang="zh-TW" altLang="en-US" smtClean="0"/>
               <a:pPr/>
-              <a:t>2023/2/4</a:t>
+              <a:t>2023/4/1</a:t>
             </a:fld>
             <a:endParaRPr lang="zh-TW" altLang="en-US"/>
           </a:p>
@@ -657,7 +657,7 @@
             <a:fld id="{7CE15595-A96D-4CC1-8386-BF68892F9851}" type="datetimeFigureOut">
               <a:rPr lang="zh-TW" altLang="en-US" smtClean="0"/>
               <a:pPr/>
-              <a:t>2023/2/4</a:t>
+              <a:t>2023/4/1</a:t>
             </a:fld>
             <a:endParaRPr lang="zh-TW" altLang="en-US"/>
           </a:p>
@@ -824,7 +824,7 @@
             <a:fld id="{7CE15595-A96D-4CC1-8386-BF68892F9851}" type="datetimeFigureOut">
               <a:rPr lang="zh-TW" altLang="en-US" smtClean="0"/>
               <a:pPr/>
-              <a:t>2023/2/4</a:t>
+              <a:t>2023/4/1</a:t>
             </a:fld>
             <a:endParaRPr lang="zh-TW" altLang="en-US"/>
           </a:p>
@@ -1067,7 +1067,7 @@
             <a:fld id="{7CE15595-A96D-4CC1-8386-BF68892F9851}" type="datetimeFigureOut">
               <a:rPr lang="zh-TW" altLang="en-US" smtClean="0"/>
               <a:pPr/>
-              <a:t>2023/2/4</a:t>
+              <a:t>2023/4/1</a:t>
             </a:fld>
             <a:endParaRPr lang="zh-TW" altLang="en-US"/>
           </a:p>
@@ -1352,7 +1352,7 @@
             <a:fld id="{7CE15595-A96D-4CC1-8386-BF68892F9851}" type="datetimeFigureOut">
               <a:rPr lang="zh-TW" altLang="en-US" smtClean="0"/>
               <a:pPr/>
-              <a:t>2023/2/4</a:t>
+              <a:t>2023/4/1</a:t>
             </a:fld>
             <a:endParaRPr lang="zh-TW" altLang="en-US"/>
           </a:p>
@@ -1771,7 +1771,7 @@
             <a:fld id="{7CE15595-A96D-4CC1-8386-BF68892F9851}" type="datetimeFigureOut">
               <a:rPr lang="zh-TW" altLang="en-US" smtClean="0"/>
               <a:pPr/>
-              <a:t>2023/2/4</a:t>
+              <a:t>2023/4/1</a:t>
             </a:fld>
             <a:endParaRPr lang="zh-TW" altLang="en-US"/>
           </a:p>
@@ -1886,7 +1886,7 @@
             <a:fld id="{7CE15595-A96D-4CC1-8386-BF68892F9851}" type="datetimeFigureOut">
               <a:rPr lang="zh-TW" altLang="en-US" smtClean="0"/>
               <a:pPr/>
-              <a:t>2023/2/4</a:t>
+              <a:t>2023/4/1</a:t>
             </a:fld>
             <a:endParaRPr lang="zh-TW" altLang="en-US"/>
           </a:p>
@@ -1978,7 +1978,7 @@
             <a:fld id="{7CE15595-A96D-4CC1-8386-BF68892F9851}" type="datetimeFigureOut">
               <a:rPr lang="zh-TW" altLang="en-US" smtClean="0"/>
               <a:pPr/>
-              <a:t>2023/2/4</a:t>
+              <a:t>2023/4/1</a:t>
             </a:fld>
             <a:endParaRPr lang="zh-TW" altLang="en-US"/>
           </a:p>
@@ -2252,7 +2252,7 @@
             <a:fld id="{7CE15595-A96D-4CC1-8386-BF68892F9851}" type="datetimeFigureOut">
               <a:rPr lang="zh-TW" altLang="en-US" smtClean="0"/>
               <a:pPr/>
-              <a:t>2023/2/4</a:t>
+              <a:t>2023/4/1</a:t>
             </a:fld>
             <a:endParaRPr lang="zh-TW" altLang="en-US"/>
           </a:p>
@@ -2506,7 +2506,7 @@
             <a:fld id="{7CE15595-A96D-4CC1-8386-BF68892F9851}" type="datetimeFigureOut">
               <a:rPr lang="zh-TW" altLang="en-US" smtClean="0"/>
               <a:pPr/>
-              <a:t>2023/2/4</a:t>
+              <a:t>2023/4/1</a:t>
             </a:fld>
             <a:endParaRPr lang="zh-TW" altLang="en-US"/>
           </a:p>
@@ -2721,7 +2721,7 @@
             <a:fld id="{7CE15595-A96D-4CC1-8386-BF68892F9851}" type="datetimeFigureOut">
               <a:rPr lang="zh-TW" altLang="en-US" smtClean="0"/>
               <a:pPr/>
-              <a:t>2023/2/4</a:t>
+              <a:t>2023/4/1</a:t>
             </a:fld>
             <a:endParaRPr lang="zh-TW" altLang="en-US"/>
           </a:p>
@@ -3271,37 +3271,67 @@
                 <a:latin typeface="微軟正黑體" pitchFamily="34" charset="-120"/>
                 <a:ea typeface="微軟正黑體" pitchFamily="34" charset="-120"/>
               </a:rPr>
-              <a:t>主耶穌我愛</a:t>
-            </a:r>
-            <a:r>
-              <a:rPr lang="zh-CN" altLang="en-US" sz="6400" b="1" dirty="0">
+              <a:t>主耶穌我</a:t>
+            </a:r>
+            <a:r>
+              <a:rPr lang="zh-TW" altLang="en-US" sz="6400" b="1" dirty="0" smtClean="0">
                 <a:solidFill>
                   <a:srgbClr val="000066"/>
                 </a:solidFill>
                 <a:latin typeface="微軟正黑體" pitchFamily="34" charset="-120"/>
                 <a:ea typeface="微軟正黑體" pitchFamily="34" charset="-120"/>
               </a:rPr>
-              <a:t>袮</a:t>
-            </a:r>
-            <a:r>
-              <a:rPr lang="zh-TW" altLang="en-US" sz="6400" b="1" dirty="0">
+              <a:t>愛</a:t>
+            </a:r>
+            <a:r>
+              <a:rPr lang="zh-CN" altLang="en-US" sz="6400" b="1" dirty="0">
                 <a:solidFill>
                   <a:srgbClr val="000066"/>
                 </a:solidFill>
                 <a:latin typeface="微軟正黑體" pitchFamily="34" charset="-120"/>
                 <a:ea typeface="微軟正黑體" pitchFamily="34" charset="-120"/>
               </a:rPr>
-              <a:t>  深知我屬</a:t>
-            </a:r>
-            <a:r>
-              <a:rPr lang="zh-CN" altLang="en-US" sz="6400" b="1" dirty="0">
+              <a:t>祢</a:t>
+            </a:r>
+            <a:r>
+              <a:rPr lang="zh-TW" altLang="en-US" sz="6400" b="1" dirty="0" smtClean="0">
                 <a:solidFill>
                   <a:srgbClr val="000066"/>
                 </a:solidFill>
                 <a:latin typeface="微軟正黑體" pitchFamily="34" charset="-120"/>
                 <a:ea typeface="微軟正黑體" pitchFamily="34" charset="-120"/>
               </a:rPr>
-              <a:t>袮</a:t>
+              <a:t>  </a:t>
+            </a:r>
+            <a:r>
+              <a:rPr lang="zh-TW" altLang="en-US" sz="6400" b="1" dirty="0">
+                <a:solidFill>
+                  <a:srgbClr val="000066"/>
+                </a:solidFill>
+                <a:latin typeface="微軟正黑體" pitchFamily="34" charset="-120"/>
+                <a:ea typeface="微軟正黑體" pitchFamily="34" charset="-120"/>
+              </a:rPr>
+              <a:t>深知我</a:t>
+            </a:r>
+            <a:r>
+              <a:rPr lang="zh-TW" altLang="en-US" sz="6400" b="1" dirty="0" smtClean="0">
+                <a:solidFill>
+                  <a:srgbClr val="000066"/>
+                </a:solidFill>
+                <a:latin typeface="微軟正黑體" pitchFamily="34" charset="-120"/>
+                <a:ea typeface="微軟正黑體" pitchFamily="34" charset="-120"/>
+              </a:rPr>
+              <a:t>屬</a:t>
+            </a:r>
+            <a:r>
+              <a:rPr lang="zh-CN" altLang="en-US" sz="6400" b="1" dirty="0">
+                <a:solidFill>
+                  <a:srgbClr val="000066"/>
+                </a:solidFill>
+                <a:latin typeface="微軟正黑體" pitchFamily="34" charset="-120"/>
+                <a:ea typeface="微軟正黑體" pitchFamily="34" charset="-120"/>
+              </a:rPr>
+              <a:t>祢</a:t>
             </a:r>
             <a:endParaRPr lang="zh-TW" altLang="en-US" sz="6400" b="1" dirty="0">
               <a:solidFill>
@@ -3323,27 +3353,47 @@
                 <a:latin typeface="微軟正黑體" pitchFamily="34" charset="-120"/>
                 <a:ea typeface="微軟正黑體" pitchFamily="34" charset="-120"/>
               </a:rPr>
-              <a:t>世上諸樂趣願為</a:t>
-            </a:r>
-            <a:r>
-              <a:rPr lang="zh-CN" altLang="en-US" sz="6400" b="1" dirty="0">
+              <a:t>世上諸樂趣願</a:t>
+            </a:r>
+            <a:r>
+              <a:rPr lang="zh-TW" altLang="en-US" sz="6400" b="1" dirty="0" smtClean="0">
                 <a:solidFill>
                   <a:srgbClr val="000066"/>
                 </a:solidFill>
                 <a:latin typeface="微軟正黑體" pitchFamily="34" charset="-120"/>
                 <a:ea typeface="微軟正黑體" pitchFamily="34" charset="-120"/>
               </a:rPr>
-              <a:t>袮</a:t>
-            </a:r>
-            <a:r>
-              <a:rPr lang="zh-TW" altLang="en-US" sz="6400" b="1" dirty="0">
+              <a:t>為</a:t>
+            </a:r>
+            <a:r>
+              <a:rPr lang="zh-CN" altLang="en-US" sz="6400" b="1" dirty="0">
                 <a:solidFill>
                   <a:srgbClr val="000066"/>
                 </a:solidFill>
                 <a:latin typeface="微軟正黑體" pitchFamily="34" charset="-120"/>
                 <a:ea typeface="微軟正黑體" pitchFamily="34" charset="-120"/>
               </a:rPr>
-              <a:t>全丟棄</a:t>
+              <a:t>祢</a:t>
+            </a:r>
+            <a:r>
+              <a:rPr lang="zh-TW" altLang="en-US" sz="6400" b="1" dirty="0" smtClean="0">
+                <a:solidFill>
+                  <a:srgbClr val="000066"/>
+                </a:solidFill>
+                <a:latin typeface="微軟正黑體" pitchFamily="34" charset="-120"/>
+                <a:ea typeface="微軟正黑體" pitchFamily="34" charset="-120"/>
+              </a:rPr>
+              <a:t>全</a:t>
+            </a:r>
+            <a:r>
+              <a:rPr lang="zh-TW" altLang="en-US" sz="6400" b="1" dirty="0">
+                <a:solidFill>
+                  <a:srgbClr val="000066"/>
+                </a:solidFill>
+                <a:latin typeface="微軟正黑體" pitchFamily="34" charset="-120"/>
+                <a:ea typeface="微軟正黑體" pitchFamily="34" charset="-120"/>
+              </a:rPr>
+              <a:t>丟棄</a:t>
             </a:r>
           </a:p>
         </p:txBody>
@@ -3385,23 +3435,7 @@
                   <a:srgbClr val="000066"/>
                 </a:solidFill>
               </a:rPr>
-              <a:t>1 </a:t>
-            </a:r>
-            <a:r>
-              <a:rPr lang="en-US" sz="3600" b="1" dirty="0" smtClean="0">
-                <a:solidFill>
-                  <a:srgbClr val="000066"/>
-                </a:solidFill>
-              </a:rPr>
-              <a:t>/ </a:t>
-            </a:r>
-            <a:r>
-              <a:rPr lang="en-US" sz="3600" b="1" dirty="0" smtClean="0">
-                <a:solidFill>
-                  <a:srgbClr val="000066"/>
-                </a:solidFill>
-              </a:rPr>
-              <a:t>4 </a:t>
+              <a:t>1 / 4 </a:t>
             </a:r>
             <a:r>
               <a:rPr lang="en-US" sz="3600" b="1" dirty="0">
@@ -3489,17 +3523,27 @@
                 <a:latin typeface="微軟正黑體" pitchFamily="34" charset="-120"/>
                 <a:ea typeface="微軟正黑體" pitchFamily="34" charset="-120"/>
               </a:rPr>
-              <a:t>袮</a:t>
-            </a:r>
-            <a:r>
-              <a:rPr lang="zh-TW" altLang="en-US" sz="6400" b="1" dirty="0">
+              <a:t>祢</a:t>
+            </a:r>
+            <a:r>
+              <a:rPr lang="zh-TW" altLang="en-US" sz="6400" b="1" dirty="0" smtClean="0">
                 <a:solidFill>
                   <a:srgbClr val="000066"/>
                 </a:solidFill>
                 <a:latin typeface="微軟正黑體" pitchFamily="34" charset="-120"/>
                 <a:ea typeface="微軟正黑體" pitchFamily="34" charset="-120"/>
               </a:rPr>
-              <a:t>是我救主為我還清罪債</a:t>
+              <a:t>是</a:t>
+            </a:r>
+            <a:r>
+              <a:rPr lang="zh-TW" altLang="en-US" sz="6400" b="1" dirty="0">
+                <a:solidFill>
+                  <a:srgbClr val="000066"/>
+                </a:solidFill>
+                <a:latin typeface="微軟正黑體" pitchFamily="34" charset="-120"/>
+                <a:ea typeface="微軟正黑體" pitchFamily="34" charset="-120"/>
+              </a:rPr>
+              <a:t>我救主為我還清罪債</a:t>
             </a:r>
           </a:p>
           <a:p>
@@ -3677,23 +3721,7 @@
                   <a:srgbClr val="000066"/>
                 </a:solidFill>
               </a:rPr>
-              <a:t>( </a:t>
-            </a:r>
-            <a:r>
-              <a:rPr lang="en-US" sz="3600" b="1" dirty="0">
-                <a:solidFill>
-                  <a:srgbClr val="000066"/>
-                </a:solidFill>
-              </a:rPr>
-              <a:t>2 </a:t>
-            </a:r>
-            <a:r>
-              <a:rPr lang="en-US" sz="3600" b="1" dirty="0">
-                <a:solidFill>
-                  <a:srgbClr val="000066"/>
-                </a:solidFill>
-              </a:rPr>
-              <a:t>/ 4 )</a:t>
+              <a:t>( 2 / 4 )</a:t>
             </a:r>
             <a:endParaRPr lang="vi-VN" sz="3600" b="1" dirty="0">
               <a:solidFill>
@@ -3951,23 +3979,7 @@
                   <a:srgbClr val="000066"/>
                 </a:solidFill>
               </a:rPr>
-              <a:t>( </a:t>
-            </a:r>
-            <a:r>
-              <a:rPr lang="en-US" sz="3600" b="1" dirty="0">
-                <a:solidFill>
-                  <a:srgbClr val="000066"/>
-                </a:solidFill>
-              </a:rPr>
-              <a:t>3 </a:t>
-            </a:r>
-            <a:r>
-              <a:rPr lang="en-US" sz="3600" b="1" dirty="0">
-                <a:solidFill>
-                  <a:srgbClr val="000066"/>
-                </a:solidFill>
-              </a:rPr>
-              <a:t>/ 4 )</a:t>
+              <a:t>( 3 / 4 )</a:t>
             </a:r>
             <a:endParaRPr lang="vi-VN" sz="3600" b="1" dirty="0">
               <a:solidFill>
@@ -4225,23 +4237,7 @@
                   <a:srgbClr val="000066"/>
                 </a:solidFill>
               </a:rPr>
-              <a:t>( </a:t>
-            </a:r>
-            <a:r>
-              <a:rPr lang="en-US" sz="3600" b="1" dirty="0">
-                <a:solidFill>
-                  <a:srgbClr val="000066"/>
-                </a:solidFill>
-              </a:rPr>
-              <a:t>4 </a:t>
-            </a:r>
-            <a:r>
-              <a:rPr lang="en-US" sz="3600" b="1" dirty="0">
-                <a:solidFill>
-                  <a:srgbClr val="000066"/>
-                </a:solidFill>
-              </a:rPr>
-              <a:t>/ 4 )</a:t>
+              <a:t>( 4 / 4 )</a:t>
             </a:r>
             <a:endParaRPr lang="vi-VN" sz="3600" b="1" dirty="0">
               <a:solidFill>
